--- a/WebseiteSS2019/images/Schedule.pptx
+++ b/WebseiteSS2019/images/Schedule.pptx
@@ -104,6 +104,11 @@
       </a:defRPr>
     </a:lvl9pPr>
   </p:defaultTextStyle>
+  <p:extLst>
+    <p:ext uri="{EFAFB233-063F-42B5-8137-9DF3F51BA10A}">
+      <p15:sldGuideLst xmlns:p15="http://schemas.microsoft.com/office/powerpoint/2012/main"/>
+    </p:ext>
+  </p:extLst>
 </p:presentation>
 </file>
 
@@ -256,7 +261,7 @@
           <a:p>
             <a:fld id="{BC3AE97E-DD58-459F-B24D-F11BEFE04F43}" type="datetimeFigureOut">
               <a:rPr lang="de-CH" smtClean="0"/>
-              <a:t>26.02.2019</a:t>
+              <a:t>14.03.2019</a:t>
             </a:fld>
             <a:endParaRPr lang="de-CH"/>
           </a:p>
@@ -456,7 +461,7 @@
           <a:p>
             <a:fld id="{BC3AE97E-DD58-459F-B24D-F11BEFE04F43}" type="datetimeFigureOut">
               <a:rPr lang="de-CH" smtClean="0"/>
-              <a:t>26.02.2019</a:t>
+              <a:t>14.03.2019</a:t>
             </a:fld>
             <a:endParaRPr lang="de-CH"/>
           </a:p>
@@ -666,7 +671,7 @@
           <a:p>
             <a:fld id="{BC3AE97E-DD58-459F-B24D-F11BEFE04F43}" type="datetimeFigureOut">
               <a:rPr lang="de-CH" smtClean="0"/>
-              <a:t>26.02.2019</a:t>
+              <a:t>14.03.2019</a:t>
             </a:fld>
             <a:endParaRPr lang="de-CH"/>
           </a:p>
@@ -866,7 +871,7 @@
           <a:p>
             <a:fld id="{BC3AE97E-DD58-459F-B24D-F11BEFE04F43}" type="datetimeFigureOut">
               <a:rPr lang="de-CH" smtClean="0"/>
-              <a:t>26.02.2019</a:t>
+              <a:t>14.03.2019</a:t>
             </a:fld>
             <a:endParaRPr lang="de-CH"/>
           </a:p>
@@ -1142,7 +1147,7 @@
           <a:p>
             <a:fld id="{BC3AE97E-DD58-459F-B24D-F11BEFE04F43}" type="datetimeFigureOut">
               <a:rPr lang="de-CH" smtClean="0"/>
-              <a:t>26.02.2019</a:t>
+              <a:t>14.03.2019</a:t>
             </a:fld>
             <a:endParaRPr lang="de-CH"/>
           </a:p>
@@ -1410,7 +1415,7 @@
           <a:p>
             <a:fld id="{BC3AE97E-DD58-459F-B24D-F11BEFE04F43}" type="datetimeFigureOut">
               <a:rPr lang="de-CH" smtClean="0"/>
-              <a:t>26.02.2019</a:t>
+              <a:t>14.03.2019</a:t>
             </a:fld>
             <a:endParaRPr lang="de-CH"/>
           </a:p>
@@ -1825,7 +1830,7 @@
           <a:p>
             <a:fld id="{BC3AE97E-DD58-459F-B24D-F11BEFE04F43}" type="datetimeFigureOut">
               <a:rPr lang="de-CH" smtClean="0"/>
-              <a:t>26.02.2019</a:t>
+              <a:t>14.03.2019</a:t>
             </a:fld>
             <a:endParaRPr lang="de-CH"/>
           </a:p>
@@ -1967,7 +1972,7 @@
           <a:p>
             <a:fld id="{BC3AE97E-DD58-459F-B24D-F11BEFE04F43}" type="datetimeFigureOut">
               <a:rPr lang="de-CH" smtClean="0"/>
-              <a:t>26.02.2019</a:t>
+              <a:t>14.03.2019</a:t>
             </a:fld>
             <a:endParaRPr lang="de-CH"/>
           </a:p>
@@ -2080,7 +2085,7 @@
           <a:p>
             <a:fld id="{BC3AE97E-DD58-459F-B24D-F11BEFE04F43}" type="datetimeFigureOut">
               <a:rPr lang="de-CH" smtClean="0"/>
-              <a:t>26.02.2019</a:t>
+              <a:t>14.03.2019</a:t>
             </a:fld>
             <a:endParaRPr lang="de-CH"/>
           </a:p>
@@ -2393,7 +2398,7 @@
           <a:p>
             <a:fld id="{BC3AE97E-DD58-459F-B24D-F11BEFE04F43}" type="datetimeFigureOut">
               <a:rPr lang="de-CH" smtClean="0"/>
-              <a:t>26.02.2019</a:t>
+              <a:t>14.03.2019</a:t>
             </a:fld>
             <a:endParaRPr lang="de-CH"/>
           </a:p>
@@ -2682,7 +2687,7 @@
           <a:p>
             <a:fld id="{BC3AE97E-DD58-459F-B24D-F11BEFE04F43}" type="datetimeFigureOut">
               <a:rPr lang="de-CH" smtClean="0"/>
-              <a:t>26.02.2019</a:t>
+              <a:t>14.03.2019</a:t>
             </a:fld>
             <a:endParaRPr lang="de-CH"/>
           </a:p>
@@ -2925,7 +2930,7 @@
           <a:p>
             <a:fld id="{BC3AE97E-DD58-459F-B24D-F11BEFE04F43}" type="datetimeFigureOut">
               <a:rPr lang="de-CH" smtClean="0"/>
-              <a:t>26.02.2019</a:t>
+              <a:t>14.03.2019</a:t>
             </a:fld>
             <a:endParaRPr lang="de-CH"/>
           </a:p>
@@ -3357,14 +3362,14 @@
           <p:nvPr>
             <p:extLst>
               <p:ext uri="{D42A27DB-BD31-4B8C-83A1-F6EECF244321}">
-                <p14:modId xmlns:p14="http://schemas.microsoft.com/office/powerpoint/2010/main" val="813430966"/>
+                <p14:modId xmlns:p14="http://schemas.microsoft.com/office/powerpoint/2010/main" val="3132675023"/>
               </p:ext>
             </p:extLst>
           </p:nvPr>
         </p:nvGraphicFramePr>
         <p:xfrm>
           <a:off x="1411111" y="1346200"/>
-          <a:ext cx="9123048" cy="3003742"/>
+          <a:ext cx="9123048" cy="2669605"/>
         </p:xfrm>
         <a:graphic>
           <a:graphicData uri="http://schemas.openxmlformats.org/drawingml/2006/table">
@@ -3430,26 +3435,27 @@
                     <a:lstStyle/>
                     <a:p>
                       <a:pPr algn="ctr"/>
-                      <a:endParaRPr lang="de-CH" sz="1400" dirty="0">
-                        <a:latin typeface="Century Gothic" panose="020B0502020202020204" pitchFamily="34" charset="0"/>
+                      <a:endParaRPr lang="de-CH" sz="1200" spc="0" baseline="0" dirty="0">
+                        <a:latin typeface="Helvetica" panose="020B0604020202020204" pitchFamily="34" charset="0"/>
+                        <a:cs typeface="Helvetica" panose="020B0604020202020204" pitchFamily="34" charset="0"/>
                       </a:endParaRPr>
                     </a:p>
                   </a:txBody>
                   <a:tcPr vert="vert270">
                     <a:lnR w="12700" cap="flat" cmpd="sng" algn="ctr">
                       <a:solidFill>
-                        <a:schemeClr val="tx1"/>
-                      </a:solidFill>
-                      <a:prstDash val="sysDash"/>
+                        <a:srgbClr val="666666"/>
+                      </a:solidFill>
+                      <a:prstDash val="solid"/>
                       <a:round/>
                       <a:headEnd type="none" w="med" len="med"/>
                       <a:tailEnd type="none" w="med" len="med"/>
                     </a:lnR>
                     <a:lnB w="12700" cap="flat" cmpd="sng" algn="ctr">
                       <a:solidFill>
-                        <a:schemeClr val="tx1"/>
-                      </a:solidFill>
-                      <a:prstDash val="sysDash"/>
+                        <a:srgbClr val="666666"/>
+                      </a:solidFill>
+                      <a:prstDash val="solid"/>
                       <a:round/>
                       <a:headEnd type="none" w="med" len="med"/>
                       <a:tailEnd type="none" w="med" len="med"/>
@@ -3463,13 +3469,13 @@
                     <a:p>
                       <a:pPr marL="0" algn="ctr" defTabSz="914400" rtl="0" eaLnBrk="1" latinLnBrk="0" hangingPunct="1"/>
                       <a:r>
-                        <a:rPr lang="de-CH" sz="1600" b="1" kern="1200" dirty="0">
+                        <a:rPr lang="de-CH" sz="1400" b="0" kern="1200" spc="150" baseline="0" dirty="0">
                           <a:solidFill>
-                            <a:schemeClr val="tx1"/>
+                            <a:srgbClr val="008B8B"/>
                           </a:solidFill>
-                          <a:latin typeface="Century Gothic" panose="020B0502020202020204" pitchFamily="34" charset="0"/>
+                          <a:latin typeface="Helvetica" panose="020B0604020202020204" pitchFamily="34" charset="0"/>
                           <a:ea typeface="+mn-ea"/>
-                          <a:cs typeface="+mn-cs"/>
+                          <a:cs typeface="Helvetica" panose="020B0604020202020204" pitchFamily="34" charset="0"/>
                         </a:rPr>
                         <a:t>Monday</a:t>
                       </a:r>
@@ -3478,27 +3484,27 @@
                   <a:tcPr>
                     <a:lnL w="12700" cap="flat" cmpd="sng" algn="ctr">
                       <a:solidFill>
-                        <a:schemeClr val="tx1"/>
-                      </a:solidFill>
-                      <a:prstDash val="sysDash"/>
+                        <a:srgbClr val="666666"/>
+                      </a:solidFill>
+                      <a:prstDash val="solid"/>
                       <a:round/>
                       <a:headEnd type="none" w="med" len="med"/>
                       <a:tailEnd type="none" w="med" len="med"/>
                     </a:lnL>
                     <a:lnR w="12700" cap="flat" cmpd="sng" algn="ctr">
                       <a:solidFill>
-                        <a:schemeClr val="tx1"/>
-                      </a:solidFill>
-                      <a:prstDash val="sysDash"/>
+                        <a:srgbClr val="666666"/>
+                      </a:solidFill>
+                      <a:prstDash val="solid"/>
                       <a:round/>
                       <a:headEnd type="none" w="med" len="med"/>
                       <a:tailEnd type="none" w="med" len="med"/>
                     </a:lnR>
                     <a:lnB w="12700" cap="flat" cmpd="sng" algn="ctr">
                       <a:solidFill>
-                        <a:schemeClr val="tx1"/>
-                      </a:solidFill>
-                      <a:prstDash val="sysDash"/>
+                        <a:srgbClr val="666666"/>
+                      </a:solidFill>
+                      <a:prstDash val="solid"/>
                       <a:round/>
                       <a:headEnd type="none" w="med" len="med"/>
                       <a:tailEnd type="none" w="med" len="med"/>
@@ -3512,8 +3518,12 @@
                     <a:p>
                       <a:pPr algn="ctr"/>
                       <a:r>
-                        <a:rPr lang="de-CH" sz="1600" b="1" dirty="0">
-                          <a:latin typeface="Century Gothic" panose="020B0502020202020204" pitchFamily="34" charset="0"/>
+                        <a:rPr lang="de-CH" sz="1400" b="0" spc="150" baseline="0" dirty="0">
+                          <a:solidFill>
+                            <a:srgbClr val="008B8B"/>
+                          </a:solidFill>
+                          <a:latin typeface="Helvetica" panose="020B0604020202020204" pitchFamily="34" charset="0"/>
+                          <a:cs typeface="Helvetica" panose="020B0604020202020204" pitchFamily="34" charset="0"/>
                         </a:rPr>
                         <a:t>Tuesday</a:t>
                       </a:r>
@@ -3522,27 +3532,27 @@
                   <a:tcPr>
                     <a:lnL w="12700" cap="flat" cmpd="sng" algn="ctr">
                       <a:solidFill>
-                        <a:schemeClr val="tx1"/>
-                      </a:solidFill>
-                      <a:prstDash val="sysDash"/>
+                        <a:srgbClr val="666666"/>
+                      </a:solidFill>
+                      <a:prstDash val="solid"/>
                       <a:round/>
                       <a:headEnd type="none" w="med" len="med"/>
                       <a:tailEnd type="none" w="med" len="med"/>
                     </a:lnL>
                     <a:lnR w="12700" cap="flat" cmpd="sng" algn="ctr">
                       <a:solidFill>
-                        <a:schemeClr val="tx1"/>
-                      </a:solidFill>
-                      <a:prstDash val="sysDash"/>
+                        <a:srgbClr val="666666"/>
+                      </a:solidFill>
+                      <a:prstDash val="solid"/>
                       <a:round/>
                       <a:headEnd type="none" w="med" len="med"/>
                       <a:tailEnd type="none" w="med" len="med"/>
                     </a:lnR>
                     <a:lnB w="12700" cap="flat" cmpd="sng" algn="ctr">
                       <a:solidFill>
-                        <a:schemeClr val="tx1"/>
-                      </a:solidFill>
-                      <a:prstDash val="sysDash"/>
+                        <a:srgbClr val="666666"/>
+                      </a:solidFill>
+                      <a:prstDash val="solid"/>
                       <a:round/>
                       <a:headEnd type="none" w="med" len="med"/>
                       <a:tailEnd type="none" w="med" len="med"/>
@@ -3556,8 +3566,12 @@
                     <a:p>
                       <a:pPr algn="ctr"/>
                       <a:r>
-                        <a:rPr lang="de-CH" sz="1600" b="1" dirty="0">
-                          <a:latin typeface="Century Gothic" panose="020B0502020202020204" pitchFamily="34" charset="0"/>
+                        <a:rPr lang="de-CH" sz="1400" b="0" spc="150" baseline="0" dirty="0">
+                          <a:solidFill>
+                            <a:srgbClr val="008B8B"/>
+                          </a:solidFill>
+                          <a:latin typeface="Helvetica" panose="020B0604020202020204" pitchFamily="34" charset="0"/>
+                          <a:cs typeface="Helvetica" panose="020B0604020202020204" pitchFamily="34" charset="0"/>
                         </a:rPr>
                         <a:t>Wednesday</a:t>
                       </a:r>
@@ -3566,27 +3580,27 @@
                   <a:tcPr>
                     <a:lnL w="12700" cap="flat" cmpd="sng" algn="ctr">
                       <a:solidFill>
-                        <a:schemeClr val="tx1"/>
-                      </a:solidFill>
-                      <a:prstDash val="sysDash"/>
+                        <a:srgbClr val="666666"/>
+                      </a:solidFill>
+                      <a:prstDash val="solid"/>
                       <a:round/>
                       <a:headEnd type="none" w="med" len="med"/>
                       <a:tailEnd type="none" w="med" len="med"/>
                     </a:lnL>
                     <a:lnR w="12700" cap="flat" cmpd="sng" algn="ctr">
                       <a:solidFill>
-                        <a:schemeClr val="tx1"/>
-                      </a:solidFill>
-                      <a:prstDash val="sysDash"/>
+                        <a:srgbClr val="666666"/>
+                      </a:solidFill>
+                      <a:prstDash val="solid"/>
                       <a:round/>
                       <a:headEnd type="none" w="med" len="med"/>
                       <a:tailEnd type="none" w="med" len="med"/>
                     </a:lnR>
                     <a:lnB w="12700" cap="flat" cmpd="sng" algn="ctr">
                       <a:solidFill>
-                        <a:schemeClr val="tx1"/>
-                      </a:solidFill>
-                      <a:prstDash val="sysDash"/>
+                        <a:srgbClr val="666666"/>
+                      </a:solidFill>
+                      <a:prstDash val="solid"/>
                       <a:round/>
                       <a:headEnd type="none" w="med" len="med"/>
                       <a:tailEnd type="none" w="med" len="med"/>
@@ -3600,8 +3614,12 @@
                     <a:p>
                       <a:pPr algn="ctr"/>
                       <a:r>
-                        <a:rPr lang="de-CH" sz="1600" b="1" dirty="0">
-                          <a:latin typeface="Century Gothic" panose="020B0502020202020204" pitchFamily="34" charset="0"/>
+                        <a:rPr lang="de-CH" sz="1400" b="0" spc="150" baseline="0" dirty="0">
+                          <a:solidFill>
+                            <a:srgbClr val="008B8B"/>
+                          </a:solidFill>
+                          <a:latin typeface="Helvetica" panose="020B0604020202020204" pitchFamily="34" charset="0"/>
+                          <a:cs typeface="Helvetica" panose="020B0604020202020204" pitchFamily="34" charset="0"/>
                         </a:rPr>
                         <a:t>Thursday</a:t>
                       </a:r>
@@ -3610,27 +3628,27 @@
                   <a:tcPr>
                     <a:lnL w="12700" cap="flat" cmpd="sng" algn="ctr">
                       <a:solidFill>
-                        <a:schemeClr val="tx1"/>
-                      </a:solidFill>
-                      <a:prstDash val="sysDash"/>
+                        <a:srgbClr val="666666"/>
+                      </a:solidFill>
+                      <a:prstDash val="solid"/>
                       <a:round/>
                       <a:headEnd type="none" w="med" len="med"/>
                       <a:tailEnd type="none" w="med" len="med"/>
                     </a:lnL>
                     <a:lnR w="12700" cap="flat" cmpd="sng" algn="ctr">
                       <a:solidFill>
-                        <a:schemeClr val="tx1"/>
-                      </a:solidFill>
-                      <a:prstDash val="sysDash"/>
+                        <a:srgbClr val="666666"/>
+                      </a:solidFill>
+                      <a:prstDash val="solid"/>
                       <a:round/>
                       <a:headEnd type="none" w="med" len="med"/>
                       <a:tailEnd type="none" w="med" len="med"/>
                     </a:lnR>
                     <a:lnB w="12700" cap="flat" cmpd="sng" algn="ctr">
                       <a:solidFill>
-                        <a:schemeClr val="tx1"/>
-                      </a:solidFill>
-                      <a:prstDash val="sysDash"/>
+                        <a:srgbClr val="666666"/>
+                      </a:solidFill>
+                      <a:prstDash val="solid"/>
                       <a:round/>
                       <a:headEnd type="none" w="med" len="med"/>
                       <a:tailEnd type="none" w="med" len="med"/>
@@ -3644,8 +3662,12 @@
                     <a:p>
                       <a:pPr algn="ctr"/>
                       <a:r>
-                        <a:rPr lang="de-CH" sz="1600" b="1" dirty="0">
-                          <a:latin typeface="Century Gothic" panose="020B0502020202020204" pitchFamily="34" charset="0"/>
+                        <a:rPr lang="de-CH" sz="1400" b="0" spc="150" baseline="0" dirty="0">
+                          <a:solidFill>
+                            <a:srgbClr val="008B8B"/>
+                          </a:solidFill>
+                          <a:latin typeface="Helvetica" panose="020B0604020202020204" pitchFamily="34" charset="0"/>
+                          <a:cs typeface="Helvetica" panose="020B0604020202020204" pitchFamily="34" charset="0"/>
                         </a:rPr>
                         <a:t>Friday</a:t>
                       </a:r>
@@ -3654,27 +3676,27 @@
                   <a:tcPr>
                     <a:lnL w="12700" cap="flat" cmpd="sng" algn="ctr">
                       <a:solidFill>
-                        <a:schemeClr val="tx1"/>
-                      </a:solidFill>
-                      <a:prstDash val="sysDash"/>
+                        <a:srgbClr val="666666"/>
+                      </a:solidFill>
+                      <a:prstDash val="solid"/>
                       <a:round/>
                       <a:headEnd type="none" w="med" len="med"/>
                       <a:tailEnd type="none" w="med" len="med"/>
                     </a:lnL>
                     <a:lnR w="12700" cap="flat" cmpd="sng" algn="ctr">
                       <a:solidFill>
-                        <a:schemeClr val="tx1"/>
-                      </a:solidFill>
-                      <a:prstDash val="sysDash"/>
+                        <a:srgbClr val="666666"/>
+                      </a:solidFill>
+                      <a:prstDash val="solid"/>
                       <a:round/>
                       <a:headEnd type="none" w="med" len="med"/>
                       <a:tailEnd type="none" w="med" len="med"/>
                     </a:lnR>
                     <a:lnB w="12700" cap="flat" cmpd="sng" algn="ctr">
                       <a:solidFill>
-                        <a:schemeClr val="tx1"/>
-                      </a:solidFill>
-                      <a:prstDash val="sysDash"/>
+                        <a:srgbClr val="666666"/>
+                      </a:solidFill>
+                      <a:prstDash val="solid"/>
                       <a:round/>
                       <a:headEnd type="none" w="med" len="med"/>
                       <a:tailEnd type="none" w="med" len="med"/>
@@ -3688,8 +3710,12 @@
                     <a:p>
                       <a:pPr algn="ctr"/>
                       <a:r>
-                        <a:rPr lang="de-CH" sz="1600" b="1" dirty="0">
-                          <a:latin typeface="Century Gothic" panose="020B0502020202020204" pitchFamily="34" charset="0"/>
+                        <a:rPr lang="de-CH" sz="1400" b="0" spc="150" baseline="0" dirty="0">
+                          <a:solidFill>
+                            <a:srgbClr val="008B8B"/>
+                          </a:solidFill>
+                          <a:latin typeface="Helvetica" panose="020B0604020202020204" pitchFamily="34" charset="0"/>
+                          <a:cs typeface="Helvetica" panose="020B0604020202020204" pitchFamily="34" charset="0"/>
                         </a:rPr>
                         <a:t>Saturday</a:t>
                       </a:r>
@@ -3698,18 +3724,18 @@
                   <a:tcPr>
                     <a:lnL w="12700" cap="flat" cmpd="sng" algn="ctr">
                       <a:solidFill>
-                        <a:schemeClr val="tx1"/>
-                      </a:solidFill>
-                      <a:prstDash val="sysDash"/>
+                        <a:srgbClr val="666666"/>
+                      </a:solidFill>
+                      <a:prstDash val="solid"/>
                       <a:round/>
                       <a:headEnd type="none" w="med" len="med"/>
                       <a:tailEnd type="none" w="med" len="med"/>
                     </a:lnL>
                     <a:lnB w="12700" cap="flat" cmpd="sng" algn="ctr">
                       <a:solidFill>
-                        <a:schemeClr val="tx1"/>
-                      </a:solidFill>
-                      <a:prstDash val="sysDash"/>
+                        <a:srgbClr val="666666"/>
+                      </a:solidFill>
+                      <a:prstDash val="solid"/>
                       <a:round/>
                       <a:headEnd type="none" w="med" len="med"/>
                       <a:tailEnd type="none" w="med" len="med"/>
@@ -3730,8 +3756,12 @@
                     <a:p>
                       <a:pPr algn="ctr"/>
                       <a:r>
-                        <a:rPr lang="de-CH" sz="1400" b="1" dirty="0">
-                          <a:latin typeface="Century Gothic" panose="020B0502020202020204" pitchFamily="34" charset="0"/>
+                        <a:rPr lang="de-CH" sz="1200" b="0" spc="150" baseline="0" dirty="0">
+                          <a:solidFill>
+                            <a:srgbClr val="008B8B"/>
+                          </a:solidFill>
+                          <a:latin typeface="Helvetica" panose="020B0604020202020204" pitchFamily="34" charset="0"/>
+                          <a:cs typeface="Helvetica" panose="020B0604020202020204" pitchFamily="34" charset="0"/>
                         </a:rPr>
                         <a:t>Aug</a:t>
                       </a:r>
@@ -3740,27 +3770,27 @@
                   <a:tcPr vert="vert270">
                     <a:lnR w="12700" cap="flat" cmpd="sng" algn="ctr">
                       <a:solidFill>
-                        <a:schemeClr val="tx1"/>
-                      </a:solidFill>
-                      <a:prstDash val="sysDash"/>
+                        <a:srgbClr val="666666"/>
+                      </a:solidFill>
+                      <a:prstDash val="solid"/>
                       <a:round/>
                       <a:headEnd type="none" w="med" len="med"/>
                       <a:tailEnd type="none" w="med" len="med"/>
                     </a:lnR>
                     <a:lnT w="12700" cap="flat" cmpd="sng" algn="ctr">
                       <a:solidFill>
-                        <a:schemeClr val="tx1"/>
-                      </a:solidFill>
-                      <a:prstDash val="sysDash"/>
+                        <a:srgbClr val="666666"/>
+                      </a:solidFill>
+                      <a:prstDash val="solid"/>
                       <a:round/>
                       <a:headEnd type="none" w="med" len="med"/>
                       <a:tailEnd type="none" w="med" len="med"/>
                     </a:lnT>
                     <a:lnB w="12700" cap="flat" cmpd="sng" algn="ctr">
                       <a:solidFill>
-                        <a:schemeClr val="tx1"/>
-                      </a:solidFill>
-                      <a:prstDash val="sysDash"/>
+                        <a:srgbClr val="666666"/>
+                      </a:solidFill>
+                      <a:prstDash val="solid"/>
                       <a:round/>
                       <a:headEnd type="none" w="med" len="med"/>
                       <a:tailEnd type="none" w="med" len="med"/>
@@ -3777,49 +3807,49 @@
                           <a:spcPct val="200000"/>
                         </a:lnSpc>
                       </a:pPr>
-                      <a:endParaRPr lang="de-CH" sz="1400" kern="1200" dirty="0">
+                      <a:endParaRPr lang="de-CH" sz="1200" kern="1200" spc="0" baseline="0" dirty="0">
                         <a:solidFill>
-                          <a:schemeClr val="tx1"/>
+                          <a:srgbClr val="666666"/>
                         </a:solidFill>
-                        <a:latin typeface="Century Gothic" panose="020B0502020202020204" pitchFamily="34" charset="0"/>
+                        <a:latin typeface="Helvetica" panose="020B0604020202020204" pitchFamily="34" charset="0"/>
                         <a:ea typeface="+mn-ea"/>
-                        <a:cs typeface="+mn-cs"/>
+                        <a:cs typeface="Helvetica" panose="020B0604020202020204" pitchFamily="34" charset="0"/>
                       </a:endParaRPr>
                     </a:p>
                   </a:txBody>
                   <a:tcPr anchor="ctr">
                     <a:lnL w="12700" cap="flat" cmpd="sng" algn="ctr">
                       <a:solidFill>
-                        <a:schemeClr val="tx1"/>
-                      </a:solidFill>
-                      <a:prstDash val="sysDash"/>
+                        <a:srgbClr val="666666"/>
+                      </a:solidFill>
+                      <a:prstDash val="solid"/>
                       <a:round/>
                       <a:headEnd type="none" w="med" len="med"/>
                       <a:tailEnd type="none" w="med" len="med"/>
                     </a:lnL>
                     <a:lnR w="12700" cap="flat" cmpd="sng" algn="ctr">
                       <a:solidFill>
-                        <a:schemeClr val="tx1"/>
-                      </a:solidFill>
-                      <a:prstDash val="sysDash"/>
+                        <a:srgbClr val="666666"/>
+                      </a:solidFill>
+                      <a:prstDash val="solid"/>
                       <a:round/>
                       <a:headEnd type="none" w="med" len="med"/>
                       <a:tailEnd type="none" w="med" len="med"/>
                     </a:lnR>
                     <a:lnT w="12700" cap="flat" cmpd="sng" algn="ctr">
                       <a:solidFill>
-                        <a:schemeClr val="tx1"/>
-                      </a:solidFill>
-                      <a:prstDash val="sysDash"/>
+                        <a:srgbClr val="666666"/>
+                      </a:solidFill>
+                      <a:prstDash val="solid"/>
                       <a:round/>
                       <a:headEnd type="none" w="med" len="med"/>
                       <a:tailEnd type="none" w="med" len="med"/>
                     </a:lnT>
                     <a:lnB w="12700" cap="flat" cmpd="sng" algn="ctr">
                       <a:solidFill>
-                        <a:schemeClr val="tx1"/>
-                      </a:solidFill>
-                      <a:prstDash val="sysDash"/>
+                        <a:srgbClr val="666666"/>
+                      </a:solidFill>
+                      <a:prstDash val="solid"/>
                       <a:round/>
                       <a:headEnd type="none" w="med" len="med"/>
                       <a:tailEnd type="none" w="med" len="med"/>
@@ -3837,8 +3867,12 @@
                         </a:lnSpc>
                       </a:pPr>
                       <a:r>
-                        <a:rPr lang="de-CH" sz="1400" dirty="0">
-                          <a:latin typeface="Century Gothic" panose="020B0502020202020204" pitchFamily="34" charset="0"/>
+                        <a:rPr lang="de-CH" sz="1200" spc="0" baseline="0" dirty="0">
+                          <a:solidFill>
+                            <a:srgbClr val="666666"/>
+                          </a:solidFill>
+                          <a:latin typeface="Helvetica" panose="020B0604020202020204" pitchFamily="34" charset="0"/>
+                          <a:cs typeface="Helvetica" panose="020B0604020202020204" pitchFamily="34" charset="0"/>
                         </a:rPr>
                         <a:t>20</a:t>
                       </a:r>
@@ -3850,8 +3884,12 @@
                         </a:lnSpc>
                       </a:pPr>
                       <a:r>
-                        <a:rPr lang="de-CH" sz="1400" dirty="0">
-                          <a:latin typeface="Century Gothic" panose="020B0502020202020204" pitchFamily="34" charset="0"/>
+                        <a:rPr lang="de-CH" sz="1200" spc="0" baseline="0" dirty="0">
+                          <a:solidFill>
+                            <a:srgbClr val="666666"/>
+                          </a:solidFill>
+                          <a:latin typeface="Helvetica" panose="020B0604020202020204" pitchFamily="34" charset="0"/>
+                          <a:cs typeface="Helvetica" panose="020B0604020202020204" pitchFamily="34" charset="0"/>
                         </a:rPr>
                         <a:t>Meet &amp; Greet</a:t>
                       </a:r>
@@ -3860,36 +3898,36 @@
                   <a:tcPr anchor="ctr">
                     <a:lnL w="12700" cap="flat" cmpd="sng" algn="ctr">
                       <a:solidFill>
-                        <a:schemeClr val="tx1"/>
-                      </a:solidFill>
-                      <a:prstDash val="sysDash"/>
+                        <a:srgbClr val="666666"/>
+                      </a:solidFill>
+                      <a:prstDash val="solid"/>
                       <a:round/>
                       <a:headEnd type="none" w="med" len="med"/>
                       <a:tailEnd type="none" w="med" len="med"/>
                     </a:lnL>
                     <a:lnR w="12700" cap="flat" cmpd="sng" algn="ctr">
                       <a:solidFill>
-                        <a:schemeClr val="tx1"/>
-                      </a:solidFill>
-                      <a:prstDash val="sysDash"/>
+                        <a:srgbClr val="666666"/>
+                      </a:solidFill>
+                      <a:prstDash val="solid"/>
                       <a:round/>
                       <a:headEnd type="none" w="med" len="med"/>
                       <a:tailEnd type="none" w="med" len="med"/>
                     </a:lnR>
                     <a:lnT w="12700" cap="flat" cmpd="sng" algn="ctr">
                       <a:solidFill>
-                        <a:schemeClr val="tx1"/>
-                      </a:solidFill>
-                      <a:prstDash val="sysDash"/>
+                        <a:srgbClr val="666666"/>
+                      </a:solidFill>
+                      <a:prstDash val="solid"/>
                       <a:round/>
                       <a:headEnd type="none" w="med" len="med"/>
                       <a:tailEnd type="none" w="med" len="med"/>
                     </a:lnT>
                     <a:lnB w="12700" cap="flat" cmpd="sng" algn="ctr">
                       <a:solidFill>
-                        <a:schemeClr val="tx1"/>
-                      </a:solidFill>
-                      <a:prstDash val="sysDash"/>
+                        <a:srgbClr val="666666"/>
+                      </a:solidFill>
+                      <a:prstDash val="solid"/>
                       <a:round/>
                       <a:headEnd type="none" w="med" len="med"/>
                       <a:tailEnd type="none" w="med" len="med"/>
@@ -3907,8 +3945,12 @@
                         </a:lnSpc>
                       </a:pPr>
                       <a:r>
-                        <a:rPr lang="de-CH" sz="1400" dirty="0">
-                          <a:latin typeface="Century Gothic" panose="020B0502020202020204" pitchFamily="34" charset="0"/>
+                        <a:rPr lang="de-CH" sz="1200" spc="0" baseline="0" dirty="0">
+                          <a:solidFill>
+                            <a:srgbClr val="666666"/>
+                          </a:solidFill>
+                          <a:latin typeface="Helvetica" panose="020B0604020202020204" pitchFamily="34" charset="0"/>
+                          <a:cs typeface="Helvetica" panose="020B0604020202020204" pitchFamily="34" charset="0"/>
                         </a:rPr>
                         <a:t>21</a:t>
                       </a:r>
@@ -3920,8 +3962,12 @@
                         </a:lnSpc>
                       </a:pPr>
                       <a:r>
-                        <a:rPr lang="de-CH" sz="1400" dirty="0">
-                          <a:latin typeface="Century Gothic" panose="020B0502020202020204" pitchFamily="34" charset="0"/>
+                        <a:rPr lang="de-CH" sz="1200" spc="0" baseline="0" dirty="0">
+                          <a:solidFill>
+                            <a:srgbClr val="666666"/>
+                          </a:solidFill>
+                          <a:latin typeface="Helvetica" panose="020B0604020202020204" pitchFamily="34" charset="0"/>
+                          <a:cs typeface="Helvetica" panose="020B0604020202020204" pitchFamily="34" charset="0"/>
                         </a:rPr>
                         <a:t>Fundamentals</a:t>
                       </a:r>
@@ -3930,36 +3976,36 @@
                   <a:tcPr anchor="ctr">
                     <a:lnL w="12700" cap="flat" cmpd="sng" algn="ctr">
                       <a:solidFill>
-                        <a:schemeClr val="tx1"/>
-                      </a:solidFill>
-                      <a:prstDash val="sysDash"/>
+                        <a:srgbClr val="666666"/>
+                      </a:solidFill>
+                      <a:prstDash val="solid"/>
                       <a:round/>
                       <a:headEnd type="none" w="med" len="med"/>
                       <a:tailEnd type="none" w="med" len="med"/>
                     </a:lnL>
                     <a:lnR w="12700" cap="flat" cmpd="sng" algn="ctr">
                       <a:solidFill>
-                        <a:schemeClr val="tx1"/>
-                      </a:solidFill>
-                      <a:prstDash val="sysDash"/>
+                        <a:srgbClr val="666666"/>
+                      </a:solidFill>
+                      <a:prstDash val="solid"/>
                       <a:round/>
                       <a:headEnd type="none" w="med" len="med"/>
                       <a:tailEnd type="none" w="med" len="med"/>
                     </a:lnR>
                     <a:lnT w="12700" cap="flat" cmpd="sng" algn="ctr">
                       <a:solidFill>
-                        <a:schemeClr val="tx1"/>
-                      </a:solidFill>
-                      <a:prstDash val="sysDash"/>
+                        <a:srgbClr val="666666"/>
+                      </a:solidFill>
+                      <a:prstDash val="solid"/>
                       <a:round/>
                       <a:headEnd type="none" w="med" len="med"/>
                       <a:tailEnd type="none" w="med" len="med"/>
                     </a:lnT>
                     <a:lnB w="12700" cap="flat" cmpd="sng" algn="ctr">
                       <a:solidFill>
-                        <a:schemeClr val="tx1"/>
-                      </a:solidFill>
-                      <a:prstDash val="sysDash"/>
+                        <a:srgbClr val="666666"/>
+                      </a:solidFill>
+                      <a:prstDash val="solid"/>
                       <a:round/>
                       <a:headEnd type="none" w="med" len="med"/>
                       <a:tailEnd type="none" w="med" len="med"/>
@@ -3977,8 +4023,12 @@
                         </a:lnSpc>
                       </a:pPr>
                       <a:r>
-                        <a:rPr lang="de-CH" sz="1400" dirty="0">
-                          <a:latin typeface="Century Gothic" panose="020B0502020202020204" pitchFamily="34" charset="0"/>
+                        <a:rPr lang="de-CH" sz="1200" spc="0" baseline="0" dirty="0">
+                          <a:solidFill>
+                            <a:srgbClr val="666666"/>
+                          </a:solidFill>
+                          <a:latin typeface="Helvetica" panose="020B0604020202020204" pitchFamily="34" charset="0"/>
+                          <a:cs typeface="Helvetica" panose="020B0604020202020204" pitchFamily="34" charset="0"/>
                         </a:rPr>
                         <a:t>22</a:t>
                       </a:r>
@@ -3990,8 +4040,12 @@
                         </a:lnSpc>
                       </a:pPr>
                       <a:r>
-                        <a:rPr lang="de-CH" sz="1400" dirty="0">
-                          <a:latin typeface="Century Gothic" panose="020B0502020202020204" pitchFamily="34" charset="0"/>
+                        <a:rPr lang="de-CH" sz="1200" spc="0" baseline="0" dirty="0">
+                          <a:solidFill>
+                            <a:srgbClr val="666666"/>
+                          </a:solidFill>
+                          <a:latin typeface="Helvetica" panose="020B0604020202020204" pitchFamily="34" charset="0"/>
+                          <a:cs typeface="Helvetica" panose="020B0604020202020204" pitchFamily="34" charset="0"/>
                         </a:rPr>
                         <a:t>Fundamentals</a:t>
                       </a:r>
@@ -4000,36 +4054,36 @@
                   <a:tcPr anchor="ctr">
                     <a:lnL w="12700" cap="flat" cmpd="sng" algn="ctr">
                       <a:solidFill>
-                        <a:schemeClr val="tx1"/>
-                      </a:solidFill>
-                      <a:prstDash val="sysDash"/>
+                        <a:srgbClr val="666666"/>
+                      </a:solidFill>
+                      <a:prstDash val="solid"/>
                       <a:round/>
                       <a:headEnd type="none" w="med" len="med"/>
                       <a:tailEnd type="none" w="med" len="med"/>
                     </a:lnL>
                     <a:lnR w="12700" cap="flat" cmpd="sng" algn="ctr">
                       <a:solidFill>
-                        <a:schemeClr val="tx1"/>
-                      </a:solidFill>
-                      <a:prstDash val="sysDash"/>
+                        <a:srgbClr val="666666"/>
+                      </a:solidFill>
+                      <a:prstDash val="solid"/>
                       <a:round/>
                       <a:headEnd type="none" w="med" len="med"/>
                       <a:tailEnd type="none" w="med" len="med"/>
                     </a:lnR>
                     <a:lnT w="12700" cap="flat" cmpd="sng" algn="ctr">
                       <a:solidFill>
-                        <a:schemeClr val="tx1"/>
-                      </a:solidFill>
-                      <a:prstDash val="sysDash"/>
+                        <a:srgbClr val="666666"/>
+                      </a:solidFill>
+                      <a:prstDash val="solid"/>
                       <a:round/>
                       <a:headEnd type="none" w="med" len="med"/>
                       <a:tailEnd type="none" w="med" len="med"/>
                     </a:lnT>
                     <a:lnB w="12700" cap="flat" cmpd="sng" algn="ctr">
                       <a:solidFill>
-                        <a:schemeClr val="tx1"/>
-                      </a:solidFill>
-                      <a:prstDash val="sysDash"/>
+                        <a:srgbClr val="666666"/>
+                      </a:solidFill>
+                      <a:prstDash val="solid"/>
                       <a:round/>
                       <a:headEnd type="none" w="med" len="med"/>
                       <a:tailEnd type="none" w="med" len="med"/>
@@ -4047,8 +4101,12 @@
                         </a:lnSpc>
                       </a:pPr>
                       <a:r>
-                        <a:rPr lang="de-CH" sz="1400" dirty="0">
-                          <a:latin typeface="Century Gothic" panose="020B0502020202020204" pitchFamily="34" charset="0"/>
+                        <a:rPr lang="de-CH" sz="1200" spc="0" baseline="0" dirty="0">
+                          <a:solidFill>
+                            <a:srgbClr val="666666"/>
+                          </a:solidFill>
+                          <a:latin typeface="Helvetica" panose="020B0604020202020204" pitchFamily="34" charset="0"/>
+                          <a:cs typeface="Helvetica" panose="020B0604020202020204" pitchFamily="34" charset="0"/>
                         </a:rPr>
                         <a:t>23</a:t>
                       </a:r>
@@ -4060,8 +4118,12 @@
                         </a:lnSpc>
                       </a:pPr>
                       <a:r>
-                        <a:rPr lang="de-CH" sz="1400" dirty="0">
-                          <a:latin typeface="Century Gothic" panose="020B0502020202020204" pitchFamily="34" charset="0"/>
+                        <a:rPr lang="de-CH" sz="1200" spc="0" baseline="0" dirty="0">
+                          <a:solidFill>
+                            <a:srgbClr val="666666"/>
+                          </a:solidFill>
+                          <a:latin typeface="Helvetica" panose="020B0604020202020204" pitchFamily="34" charset="0"/>
+                          <a:cs typeface="Helvetica" panose="020B0604020202020204" pitchFamily="34" charset="0"/>
                         </a:rPr>
                         <a:t>Fundamentals</a:t>
                       </a:r>
@@ -4070,36 +4132,36 @@
                   <a:tcPr anchor="ctr">
                     <a:lnL w="12700" cap="flat" cmpd="sng" algn="ctr">
                       <a:solidFill>
-                        <a:schemeClr val="tx1"/>
-                      </a:solidFill>
-                      <a:prstDash val="sysDash"/>
+                        <a:srgbClr val="666666"/>
+                      </a:solidFill>
+                      <a:prstDash val="solid"/>
                       <a:round/>
                       <a:headEnd type="none" w="med" len="med"/>
                       <a:tailEnd type="none" w="med" len="med"/>
                     </a:lnL>
                     <a:lnR w="12700" cap="flat" cmpd="sng" algn="ctr">
                       <a:solidFill>
-                        <a:schemeClr val="tx1"/>
-                      </a:solidFill>
-                      <a:prstDash val="sysDash"/>
+                        <a:srgbClr val="666666"/>
+                      </a:solidFill>
+                      <a:prstDash val="solid"/>
                       <a:round/>
                       <a:headEnd type="none" w="med" len="med"/>
                       <a:tailEnd type="none" w="med" len="med"/>
                     </a:lnR>
                     <a:lnT w="12700" cap="flat" cmpd="sng" algn="ctr">
                       <a:solidFill>
-                        <a:schemeClr val="tx1"/>
-                      </a:solidFill>
-                      <a:prstDash val="sysDash"/>
+                        <a:srgbClr val="666666"/>
+                      </a:solidFill>
+                      <a:prstDash val="solid"/>
                       <a:round/>
                       <a:headEnd type="none" w="med" len="med"/>
                       <a:tailEnd type="none" w="med" len="med"/>
                     </a:lnT>
                     <a:lnB w="12700" cap="flat" cmpd="sng" algn="ctr">
                       <a:solidFill>
-                        <a:schemeClr val="tx1"/>
-                      </a:solidFill>
-                      <a:prstDash val="sysDash"/>
+                        <a:srgbClr val="666666"/>
+                      </a:solidFill>
+                      <a:prstDash val="solid"/>
                       <a:round/>
                       <a:headEnd type="none" w="med" len="med"/>
                       <a:tailEnd type="none" w="med" len="med"/>
@@ -4116,35 +4178,39 @@
                           <a:spcPct val="200000"/>
                         </a:lnSpc>
                       </a:pPr>
-                      <a:endParaRPr lang="de-CH" sz="1400" dirty="0">
-                        <a:latin typeface="Century Gothic" panose="020B0502020202020204" pitchFamily="34" charset="0"/>
+                      <a:endParaRPr lang="de-CH" sz="1200" spc="0" baseline="0" dirty="0">
+                        <a:solidFill>
+                          <a:srgbClr val="666666"/>
+                        </a:solidFill>
+                        <a:latin typeface="Helvetica" panose="020B0604020202020204" pitchFamily="34" charset="0"/>
+                        <a:cs typeface="Helvetica" panose="020B0604020202020204" pitchFamily="34" charset="0"/>
                       </a:endParaRPr>
                     </a:p>
                   </a:txBody>
                   <a:tcPr anchor="ctr">
                     <a:lnL w="12700" cap="flat" cmpd="sng" algn="ctr">
                       <a:solidFill>
-                        <a:schemeClr val="tx1"/>
-                      </a:solidFill>
-                      <a:prstDash val="sysDash"/>
+                        <a:srgbClr val="666666"/>
+                      </a:solidFill>
+                      <a:prstDash val="solid"/>
                       <a:round/>
                       <a:headEnd type="none" w="med" len="med"/>
                       <a:tailEnd type="none" w="med" len="med"/>
                     </a:lnL>
                     <a:lnT w="12700" cap="flat" cmpd="sng" algn="ctr">
                       <a:solidFill>
-                        <a:schemeClr val="tx1"/>
-                      </a:solidFill>
-                      <a:prstDash val="sysDash"/>
+                        <a:srgbClr val="666666"/>
+                      </a:solidFill>
+                      <a:prstDash val="solid"/>
                       <a:round/>
                       <a:headEnd type="none" w="med" len="med"/>
                       <a:tailEnd type="none" w="med" len="med"/>
                     </a:lnT>
                     <a:lnB w="12700" cap="flat" cmpd="sng" algn="ctr">
                       <a:solidFill>
-                        <a:schemeClr val="tx1"/>
-                      </a:solidFill>
-                      <a:prstDash val="sysDash"/>
+                        <a:srgbClr val="666666"/>
+                      </a:solidFill>
+                      <a:prstDash val="solid"/>
                       <a:round/>
                       <a:headEnd type="none" w="med" len="med"/>
                       <a:tailEnd type="none" w="med" len="med"/>
@@ -4165,8 +4231,12 @@
                     <a:p>
                       <a:pPr algn="ctr"/>
                       <a:r>
-                        <a:rPr lang="de-CH" sz="1400" b="1" dirty="0">
-                          <a:latin typeface="Century Gothic" panose="020B0502020202020204" pitchFamily="34" charset="0"/>
+                        <a:rPr lang="de-CH" sz="1200" b="0" spc="150" baseline="0" dirty="0">
+                          <a:solidFill>
+                            <a:srgbClr val="008B8B"/>
+                          </a:solidFill>
+                          <a:latin typeface="Helvetica" panose="020B0604020202020204" pitchFamily="34" charset="0"/>
+                          <a:cs typeface="Helvetica" panose="020B0604020202020204" pitchFamily="34" charset="0"/>
                         </a:rPr>
                         <a:t>Aug</a:t>
                       </a:r>
@@ -4175,27 +4245,27 @@
                   <a:tcPr vert="vert270">
                     <a:lnR w="12700" cap="flat" cmpd="sng" algn="ctr">
                       <a:solidFill>
-                        <a:schemeClr val="tx1"/>
-                      </a:solidFill>
-                      <a:prstDash val="sysDash"/>
+                        <a:srgbClr val="666666"/>
+                      </a:solidFill>
+                      <a:prstDash val="solid"/>
                       <a:round/>
                       <a:headEnd type="none" w="med" len="med"/>
                       <a:tailEnd type="none" w="med" len="med"/>
                     </a:lnR>
                     <a:lnT w="12700" cap="flat" cmpd="sng" algn="ctr">
                       <a:solidFill>
-                        <a:schemeClr val="tx1"/>
-                      </a:solidFill>
-                      <a:prstDash val="sysDash"/>
+                        <a:srgbClr val="666666"/>
+                      </a:solidFill>
+                      <a:prstDash val="solid"/>
                       <a:round/>
                       <a:headEnd type="none" w="med" len="med"/>
                       <a:tailEnd type="none" w="med" len="med"/>
                     </a:lnT>
                     <a:lnB w="12700" cap="flat" cmpd="sng" algn="ctr">
                       <a:solidFill>
-                        <a:schemeClr val="tx1"/>
-                      </a:solidFill>
-                      <a:prstDash val="sysDash"/>
+                        <a:srgbClr val="666666"/>
+                      </a:solidFill>
+                      <a:prstDash val="solid"/>
                       <a:round/>
                       <a:headEnd type="none" w="med" len="med"/>
                       <a:tailEnd type="none" w="med" len="med"/>
@@ -4213,13 +4283,13 @@
                         </a:lnSpc>
                       </a:pPr>
                       <a:r>
-                        <a:rPr lang="de-CH" sz="1400" kern="1200" dirty="0">
+                        <a:rPr lang="de-CH" sz="1200" kern="1200" spc="0" baseline="0" dirty="0">
                           <a:solidFill>
-                            <a:schemeClr val="tx1"/>
+                            <a:srgbClr val="666666"/>
                           </a:solidFill>
-                          <a:latin typeface="Century Gothic" panose="020B0502020202020204" pitchFamily="34" charset="0"/>
+                          <a:latin typeface="Helvetica" panose="020B0604020202020204" pitchFamily="34" charset="0"/>
                           <a:ea typeface="+mn-ea"/>
-                          <a:cs typeface="+mn-cs"/>
+                          <a:cs typeface="Helvetica" panose="020B0604020202020204" pitchFamily="34" charset="0"/>
                         </a:rPr>
                         <a:t>26</a:t>
                       </a:r>
@@ -4231,13 +4301,13 @@
                         </a:lnSpc>
                       </a:pPr>
                       <a:r>
-                        <a:rPr lang="de-CH" sz="1400" kern="1200" dirty="0">
+                        <a:rPr lang="de-CH" sz="1200" kern="1200" spc="0" baseline="0" dirty="0">
                           <a:solidFill>
-                            <a:schemeClr val="tx1"/>
+                            <a:srgbClr val="666666"/>
                           </a:solidFill>
-                          <a:latin typeface="Century Gothic" panose="020B0502020202020204" pitchFamily="34" charset="0"/>
+                          <a:latin typeface="Helvetica" panose="020B0604020202020204" pitchFamily="34" charset="0"/>
                           <a:ea typeface="+mn-ea"/>
-                          <a:cs typeface="+mn-cs"/>
+                          <a:cs typeface="Helvetica" panose="020B0604020202020204" pitchFamily="34" charset="0"/>
                         </a:rPr>
                         <a:t>Workshop</a:t>
                       </a:r>
@@ -4246,36 +4316,36 @@
                   <a:tcPr anchor="ctr">
                     <a:lnL w="12700" cap="flat" cmpd="sng" algn="ctr">
                       <a:solidFill>
-                        <a:schemeClr val="tx1"/>
-                      </a:solidFill>
-                      <a:prstDash val="sysDash"/>
+                        <a:srgbClr val="666666"/>
+                      </a:solidFill>
+                      <a:prstDash val="solid"/>
                       <a:round/>
                       <a:headEnd type="none" w="med" len="med"/>
                       <a:tailEnd type="none" w="med" len="med"/>
                     </a:lnL>
                     <a:lnR w="12700" cap="flat" cmpd="sng" algn="ctr">
                       <a:solidFill>
-                        <a:schemeClr val="tx1"/>
-                      </a:solidFill>
-                      <a:prstDash val="sysDash"/>
+                        <a:srgbClr val="666666"/>
+                      </a:solidFill>
+                      <a:prstDash val="solid"/>
                       <a:round/>
                       <a:headEnd type="none" w="med" len="med"/>
                       <a:tailEnd type="none" w="med" len="med"/>
                     </a:lnR>
                     <a:lnT w="12700" cap="flat" cmpd="sng" algn="ctr">
                       <a:solidFill>
-                        <a:schemeClr val="tx1"/>
-                      </a:solidFill>
-                      <a:prstDash val="sysDash"/>
+                        <a:srgbClr val="666666"/>
+                      </a:solidFill>
+                      <a:prstDash val="solid"/>
                       <a:round/>
                       <a:headEnd type="none" w="med" len="med"/>
                       <a:tailEnd type="none" w="med" len="med"/>
                     </a:lnT>
                     <a:lnB w="12700" cap="flat" cmpd="sng" algn="ctr">
                       <a:solidFill>
-                        <a:schemeClr val="tx1"/>
-                      </a:solidFill>
-                      <a:prstDash val="sysDash"/>
+                        <a:srgbClr val="666666"/>
+                      </a:solidFill>
+                      <a:prstDash val="solid"/>
                       <a:round/>
                       <a:headEnd type="none" w="med" len="med"/>
                       <a:tailEnd type="none" w="med" len="med"/>
@@ -4293,8 +4363,12 @@
                         </a:lnSpc>
                       </a:pPr>
                       <a:r>
-                        <a:rPr lang="de-CH" sz="1400" dirty="0">
-                          <a:latin typeface="Century Gothic" panose="020B0502020202020204" pitchFamily="34" charset="0"/>
+                        <a:rPr lang="de-CH" sz="1200" spc="0" baseline="0" dirty="0">
+                          <a:solidFill>
+                            <a:srgbClr val="666666"/>
+                          </a:solidFill>
+                          <a:latin typeface="Helvetica" panose="020B0604020202020204" pitchFamily="34" charset="0"/>
+                          <a:cs typeface="Helvetica" panose="020B0604020202020204" pitchFamily="34" charset="0"/>
                         </a:rPr>
                         <a:t>27</a:t>
                       </a:r>
@@ -4306,8 +4380,12 @@
                         </a:lnSpc>
                       </a:pPr>
                       <a:r>
-                        <a:rPr lang="de-CH" sz="1400" dirty="0">
-                          <a:latin typeface="Century Gothic" panose="020B0502020202020204" pitchFamily="34" charset="0"/>
+                        <a:rPr lang="de-CH" sz="1200" spc="0" baseline="0" dirty="0">
+                          <a:solidFill>
+                            <a:srgbClr val="666666"/>
+                          </a:solidFill>
+                          <a:latin typeface="Helvetica" panose="020B0604020202020204" pitchFamily="34" charset="0"/>
+                          <a:cs typeface="Helvetica" panose="020B0604020202020204" pitchFamily="34" charset="0"/>
                         </a:rPr>
                         <a:t>Workshop</a:t>
                       </a:r>
@@ -4316,36 +4394,36 @@
                   <a:tcPr anchor="ctr">
                     <a:lnL w="12700" cap="flat" cmpd="sng" algn="ctr">
                       <a:solidFill>
-                        <a:schemeClr val="tx1"/>
-                      </a:solidFill>
-                      <a:prstDash val="sysDash"/>
+                        <a:srgbClr val="666666"/>
+                      </a:solidFill>
+                      <a:prstDash val="solid"/>
                       <a:round/>
                       <a:headEnd type="none" w="med" len="med"/>
                       <a:tailEnd type="none" w="med" len="med"/>
                     </a:lnL>
                     <a:lnR w="12700" cap="flat" cmpd="sng" algn="ctr">
                       <a:solidFill>
-                        <a:schemeClr val="tx1"/>
-                      </a:solidFill>
-                      <a:prstDash val="sysDash"/>
+                        <a:srgbClr val="666666"/>
+                      </a:solidFill>
+                      <a:prstDash val="solid"/>
                       <a:round/>
                       <a:headEnd type="none" w="med" len="med"/>
                       <a:tailEnd type="none" w="med" len="med"/>
                     </a:lnR>
                     <a:lnT w="12700" cap="flat" cmpd="sng" algn="ctr">
                       <a:solidFill>
-                        <a:schemeClr val="tx1"/>
-                      </a:solidFill>
-                      <a:prstDash val="sysDash"/>
+                        <a:srgbClr val="666666"/>
+                      </a:solidFill>
+                      <a:prstDash val="solid"/>
                       <a:round/>
                       <a:headEnd type="none" w="med" len="med"/>
                       <a:tailEnd type="none" w="med" len="med"/>
                     </a:lnT>
                     <a:lnB w="12700" cap="flat" cmpd="sng" algn="ctr">
                       <a:solidFill>
-                        <a:schemeClr val="tx1"/>
-                      </a:solidFill>
-                      <a:prstDash val="sysDash"/>
+                        <a:srgbClr val="666666"/>
+                      </a:solidFill>
+                      <a:prstDash val="solid"/>
                       <a:round/>
                       <a:headEnd type="none" w="med" len="med"/>
                       <a:tailEnd type="none" w="med" len="med"/>
@@ -4363,8 +4441,12 @@
                         </a:lnSpc>
                       </a:pPr>
                       <a:r>
-                        <a:rPr lang="de-CH" sz="1400" dirty="0">
-                          <a:latin typeface="Century Gothic" panose="020B0502020202020204" pitchFamily="34" charset="0"/>
+                        <a:rPr lang="de-CH" sz="1200" spc="0" baseline="0" dirty="0">
+                          <a:solidFill>
+                            <a:srgbClr val="666666"/>
+                          </a:solidFill>
+                          <a:latin typeface="Helvetica" panose="020B0604020202020204" pitchFamily="34" charset="0"/>
+                          <a:cs typeface="Helvetica" panose="020B0604020202020204" pitchFamily="34" charset="0"/>
                         </a:rPr>
                         <a:t>28</a:t>
                       </a:r>
@@ -4376,8 +4458,12 @@
                         </a:lnSpc>
                       </a:pPr>
                       <a:r>
-                        <a:rPr lang="de-CH" sz="1400" dirty="0">
-                          <a:latin typeface="Century Gothic" panose="020B0502020202020204" pitchFamily="34" charset="0"/>
+                        <a:rPr lang="de-CH" sz="1200" spc="0" baseline="0" dirty="0">
+                          <a:solidFill>
+                            <a:srgbClr val="666666"/>
+                          </a:solidFill>
+                          <a:latin typeface="Helvetica" panose="020B0604020202020204" pitchFamily="34" charset="0"/>
+                          <a:cs typeface="Helvetica" panose="020B0604020202020204" pitchFamily="34" charset="0"/>
                         </a:rPr>
                         <a:t>Fundamentals</a:t>
                       </a:r>
@@ -4386,36 +4472,36 @@
                   <a:tcPr anchor="ctr">
                     <a:lnL w="12700" cap="flat" cmpd="sng" algn="ctr">
                       <a:solidFill>
-                        <a:schemeClr val="tx1"/>
-                      </a:solidFill>
-                      <a:prstDash val="sysDash"/>
+                        <a:srgbClr val="666666"/>
+                      </a:solidFill>
+                      <a:prstDash val="solid"/>
                       <a:round/>
                       <a:headEnd type="none" w="med" len="med"/>
                       <a:tailEnd type="none" w="med" len="med"/>
                     </a:lnL>
                     <a:lnR w="12700" cap="flat" cmpd="sng" algn="ctr">
                       <a:solidFill>
-                        <a:schemeClr val="tx1"/>
-                      </a:solidFill>
-                      <a:prstDash val="sysDash"/>
+                        <a:srgbClr val="666666"/>
+                      </a:solidFill>
+                      <a:prstDash val="solid"/>
                       <a:round/>
                       <a:headEnd type="none" w="med" len="med"/>
                       <a:tailEnd type="none" w="med" len="med"/>
                     </a:lnR>
                     <a:lnT w="12700" cap="flat" cmpd="sng" algn="ctr">
                       <a:solidFill>
-                        <a:schemeClr val="tx1"/>
-                      </a:solidFill>
-                      <a:prstDash val="sysDash"/>
+                        <a:srgbClr val="666666"/>
+                      </a:solidFill>
+                      <a:prstDash val="solid"/>
                       <a:round/>
                       <a:headEnd type="none" w="med" len="med"/>
                       <a:tailEnd type="none" w="med" len="med"/>
                     </a:lnT>
                     <a:lnB w="12700" cap="flat" cmpd="sng" algn="ctr">
                       <a:solidFill>
-                        <a:schemeClr val="tx1"/>
-                      </a:solidFill>
-                      <a:prstDash val="sysDash"/>
+                        <a:srgbClr val="666666"/>
+                      </a:solidFill>
+                      <a:prstDash val="solid"/>
                       <a:round/>
                       <a:headEnd type="none" w="med" len="med"/>
                       <a:tailEnd type="none" w="med" len="med"/>
@@ -4433,8 +4519,12 @@
                         </a:lnSpc>
                       </a:pPr>
                       <a:r>
-                        <a:rPr lang="de-CH" sz="1400" dirty="0">
-                          <a:latin typeface="Century Gothic" panose="020B0502020202020204" pitchFamily="34" charset="0"/>
+                        <a:rPr lang="de-CH" sz="1200" spc="0" baseline="0" dirty="0">
+                          <a:solidFill>
+                            <a:srgbClr val="666666"/>
+                          </a:solidFill>
+                          <a:latin typeface="Helvetica" panose="020B0604020202020204" pitchFamily="34" charset="0"/>
+                          <a:cs typeface="Helvetica" panose="020B0604020202020204" pitchFamily="34" charset="0"/>
                         </a:rPr>
                         <a:t>29</a:t>
                       </a:r>
@@ -4446,8 +4536,12 @@
                         </a:lnSpc>
                       </a:pPr>
                       <a:r>
-                        <a:rPr lang="de-CH" sz="1400" dirty="0">
-                          <a:latin typeface="Century Gothic" panose="020B0502020202020204" pitchFamily="34" charset="0"/>
+                        <a:rPr lang="de-CH" sz="1200" spc="0" baseline="0" dirty="0">
+                          <a:solidFill>
+                            <a:srgbClr val="666666"/>
+                          </a:solidFill>
+                          <a:latin typeface="Helvetica" panose="020B0604020202020204" pitchFamily="34" charset="0"/>
+                          <a:cs typeface="Helvetica" panose="020B0604020202020204" pitchFamily="34" charset="0"/>
                         </a:rPr>
                         <a:t>Fundamentals</a:t>
                       </a:r>
@@ -4456,36 +4550,36 @@
                   <a:tcPr anchor="ctr">
                     <a:lnL w="12700" cap="flat" cmpd="sng" algn="ctr">
                       <a:solidFill>
-                        <a:schemeClr val="tx1"/>
-                      </a:solidFill>
-                      <a:prstDash val="sysDash"/>
+                        <a:srgbClr val="666666"/>
+                      </a:solidFill>
+                      <a:prstDash val="solid"/>
                       <a:round/>
                       <a:headEnd type="none" w="med" len="med"/>
                       <a:tailEnd type="none" w="med" len="med"/>
                     </a:lnL>
                     <a:lnR w="12700" cap="flat" cmpd="sng" algn="ctr">
                       <a:solidFill>
-                        <a:schemeClr val="tx1"/>
-                      </a:solidFill>
-                      <a:prstDash val="sysDash"/>
+                        <a:srgbClr val="666666"/>
+                      </a:solidFill>
+                      <a:prstDash val="solid"/>
                       <a:round/>
                       <a:headEnd type="none" w="med" len="med"/>
                       <a:tailEnd type="none" w="med" len="med"/>
                     </a:lnR>
                     <a:lnT w="12700" cap="flat" cmpd="sng" algn="ctr">
                       <a:solidFill>
-                        <a:schemeClr val="tx1"/>
-                      </a:solidFill>
-                      <a:prstDash val="sysDash"/>
+                        <a:srgbClr val="666666"/>
+                      </a:solidFill>
+                      <a:prstDash val="solid"/>
                       <a:round/>
                       <a:headEnd type="none" w="med" len="med"/>
                       <a:tailEnd type="none" w="med" len="med"/>
                     </a:lnT>
                     <a:lnB w="12700" cap="flat" cmpd="sng" algn="ctr">
                       <a:solidFill>
-                        <a:schemeClr val="tx1"/>
-                      </a:solidFill>
-                      <a:prstDash val="sysDash"/>
+                        <a:srgbClr val="666666"/>
+                      </a:solidFill>
+                      <a:prstDash val="solid"/>
                       <a:round/>
                       <a:headEnd type="none" w="med" len="med"/>
                       <a:tailEnd type="none" w="med" len="med"/>
@@ -4503,8 +4597,12 @@
                         </a:lnSpc>
                       </a:pPr>
                       <a:r>
-                        <a:rPr lang="de-CH" sz="1400">
-                          <a:latin typeface="Century Gothic" panose="020B0502020202020204" pitchFamily="34" charset="0"/>
+                        <a:rPr lang="de-CH" sz="1200" spc="0" baseline="0" dirty="0">
+                          <a:solidFill>
+                            <a:srgbClr val="666666"/>
+                          </a:solidFill>
+                          <a:latin typeface="Helvetica" panose="020B0604020202020204" pitchFamily="34" charset="0"/>
+                          <a:cs typeface="Helvetica" panose="020B0604020202020204" pitchFamily="34" charset="0"/>
                         </a:rPr>
                         <a:t>30</a:t>
                       </a:r>
@@ -4516,49 +4614,50 @@
                         </a:lnSpc>
                       </a:pPr>
                       <a:r>
-                        <a:rPr lang="de-CH" sz="1400">
-                          <a:latin typeface="Century Gothic" panose="020B0502020202020204" pitchFamily="34" charset="0"/>
+                        <a:rPr lang="de-CH" sz="1200" spc="0" baseline="0" dirty="0">
+                          <a:solidFill>
+                            <a:srgbClr val="666666"/>
+                          </a:solidFill>
+                          <a:latin typeface="Helvetica" panose="020B0604020202020204" pitchFamily="34" charset="0"/>
+                          <a:cs typeface="Helvetica" panose="020B0604020202020204" pitchFamily="34" charset="0"/>
                         </a:rPr>
                         <a:t>Workshop</a:t>
                       </a:r>
-                      <a:endParaRPr lang="de-CH" sz="1400" dirty="0">
-                        <a:latin typeface="Century Gothic" panose="020B0502020202020204" pitchFamily="34" charset="0"/>
-                      </a:endParaRPr>
                     </a:p>
                   </a:txBody>
                   <a:tcPr anchor="ctr">
                     <a:lnL w="12700" cap="flat" cmpd="sng" algn="ctr">
                       <a:solidFill>
-                        <a:schemeClr val="tx1"/>
-                      </a:solidFill>
-                      <a:prstDash val="sysDash"/>
+                        <a:srgbClr val="666666"/>
+                      </a:solidFill>
+                      <a:prstDash val="solid"/>
                       <a:round/>
                       <a:headEnd type="none" w="med" len="med"/>
                       <a:tailEnd type="none" w="med" len="med"/>
                     </a:lnL>
                     <a:lnR w="12700" cap="flat" cmpd="sng" algn="ctr">
                       <a:solidFill>
-                        <a:schemeClr val="tx1"/>
-                      </a:solidFill>
-                      <a:prstDash val="sysDash"/>
+                        <a:srgbClr val="666666"/>
+                      </a:solidFill>
+                      <a:prstDash val="solid"/>
                       <a:round/>
                       <a:headEnd type="none" w="med" len="med"/>
                       <a:tailEnd type="none" w="med" len="med"/>
                     </a:lnR>
                     <a:lnT w="12700" cap="flat" cmpd="sng" algn="ctr">
                       <a:solidFill>
-                        <a:schemeClr val="tx1"/>
-                      </a:solidFill>
-                      <a:prstDash val="sysDash"/>
+                        <a:srgbClr val="666666"/>
+                      </a:solidFill>
+                      <a:prstDash val="solid"/>
                       <a:round/>
                       <a:headEnd type="none" w="med" len="med"/>
                       <a:tailEnd type="none" w="med" len="med"/>
                     </a:lnT>
                     <a:lnB w="12700" cap="flat" cmpd="sng" algn="ctr">
                       <a:solidFill>
-                        <a:schemeClr val="tx1"/>
-                      </a:solidFill>
-                      <a:prstDash val="sysDash"/>
+                        <a:srgbClr val="666666"/>
+                      </a:solidFill>
+                      <a:prstDash val="solid"/>
                       <a:round/>
                       <a:headEnd type="none" w="med" len="med"/>
                       <a:tailEnd type="none" w="med" len="med"/>
@@ -4576,8 +4675,12 @@
                         </a:lnSpc>
                       </a:pPr>
                       <a:r>
-                        <a:rPr lang="de-CH" sz="1400" dirty="0">
-                          <a:latin typeface="Century Gothic" panose="020B0502020202020204" pitchFamily="34" charset="0"/>
+                        <a:rPr lang="de-CH" sz="1200" spc="0" baseline="0" dirty="0">
+                          <a:solidFill>
+                            <a:srgbClr val="666666"/>
+                          </a:solidFill>
+                          <a:latin typeface="Helvetica" panose="020B0604020202020204" pitchFamily="34" charset="0"/>
+                          <a:cs typeface="Helvetica" panose="020B0604020202020204" pitchFamily="34" charset="0"/>
                         </a:rPr>
                         <a:t>31</a:t>
                       </a:r>
@@ -4589,8 +4692,12 @@
                         </a:lnSpc>
                       </a:pPr>
                       <a:r>
-                        <a:rPr lang="de-CH" sz="1400" dirty="0">
-                          <a:latin typeface="Century Gothic" panose="020B0502020202020204" pitchFamily="34" charset="0"/>
+                        <a:rPr lang="de-CH" sz="1200" spc="0" baseline="0" dirty="0">
+                          <a:solidFill>
+                            <a:srgbClr val="666666"/>
+                          </a:solidFill>
+                          <a:latin typeface="Helvetica" panose="020B0604020202020204" pitchFamily="34" charset="0"/>
+                          <a:cs typeface="Helvetica" panose="020B0604020202020204" pitchFamily="34" charset="0"/>
                         </a:rPr>
                         <a:t>Hack</a:t>
                       </a:r>
@@ -4599,27 +4706,27 @@
                   <a:tcPr anchor="ctr">
                     <a:lnL w="12700" cap="flat" cmpd="sng" algn="ctr">
                       <a:solidFill>
-                        <a:schemeClr val="tx1"/>
-                      </a:solidFill>
-                      <a:prstDash val="sysDash"/>
+                        <a:srgbClr val="666666"/>
+                      </a:solidFill>
+                      <a:prstDash val="solid"/>
                       <a:round/>
                       <a:headEnd type="none" w="med" len="med"/>
                       <a:tailEnd type="none" w="med" len="med"/>
                     </a:lnL>
                     <a:lnT w="12700" cap="flat" cmpd="sng" algn="ctr">
                       <a:solidFill>
-                        <a:schemeClr val="tx1"/>
-                      </a:solidFill>
-                      <a:prstDash val="sysDash"/>
+                        <a:srgbClr val="666666"/>
+                      </a:solidFill>
+                      <a:prstDash val="solid"/>
                       <a:round/>
                       <a:headEnd type="none" w="med" len="med"/>
                       <a:tailEnd type="none" w="med" len="med"/>
                     </a:lnT>
                     <a:lnB w="12700" cap="flat" cmpd="sng" algn="ctr">
                       <a:solidFill>
-                        <a:schemeClr val="tx1"/>
-                      </a:solidFill>
-                      <a:prstDash val="sysDash"/>
+                        <a:srgbClr val="666666"/>
+                      </a:solidFill>
+                      <a:prstDash val="solid"/>
                       <a:round/>
                       <a:headEnd type="none" w="med" len="med"/>
                       <a:tailEnd type="none" w="med" len="med"/>
@@ -4640,8 +4747,12 @@
                     <a:p>
                       <a:pPr algn="ctr"/>
                       <a:r>
-                        <a:rPr lang="de-CH" sz="1400" b="1" dirty="0">
-                          <a:latin typeface="Century Gothic" panose="020B0502020202020204" pitchFamily="34" charset="0"/>
+                        <a:rPr lang="de-CH" sz="1200" b="0" spc="150" baseline="0" dirty="0">
+                          <a:solidFill>
+                            <a:srgbClr val="008B8B"/>
+                          </a:solidFill>
+                          <a:latin typeface="Helvetica" panose="020B0604020202020204" pitchFamily="34" charset="0"/>
+                          <a:cs typeface="Helvetica" panose="020B0604020202020204" pitchFamily="34" charset="0"/>
                         </a:rPr>
                         <a:t>Sept</a:t>
                       </a:r>
@@ -4650,18 +4761,18 @@
                   <a:tcPr vert="vert270">
                     <a:lnR w="12700" cap="flat" cmpd="sng" algn="ctr">
                       <a:solidFill>
-                        <a:schemeClr val="tx1"/>
-                      </a:solidFill>
-                      <a:prstDash val="sysDash"/>
+                        <a:srgbClr val="666666"/>
+                      </a:solidFill>
+                      <a:prstDash val="solid"/>
                       <a:round/>
                       <a:headEnd type="none" w="med" len="med"/>
                       <a:tailEnd type="none" w="med" len="med"/>
                     </a:lnR>
                     <a:lnT w="12700" cap="flat" cmpd="sng" algn="ctr">
                       <a:solidFill>
-                        <a:schemeClr val="tx1"/>
-                      </a:solidFill>
-                      <a:prstDash val="sysDash"/>
+                        <a:srgbClr val="666666"/>
+                      </a:solidFill>
+                      <a:prstDash val="solid"/>
                       <a:round/>
                       <a:headEnd type="none" w="med" len="med"/>
                       <a:tailEnd type="none" w="med" len="med"/>
@@ -4679,13 +4790,13 @@
                         </a:lnSpc>
                       </a:pPr>
                       <a:r>
-                        <a:rPr lang="de-CH" sz="1400" kern="1200" dirty="0">
+                        <a:rPr lang="de-CH" sz="1200" kern="1200" spc="0" baseline="0" dirty="0">
                           <a:solidFill>
-                            <a:schemeClr val="tx1"/>
+                            <a:srgbClr val="666666"/>
                           </a:solidFill>
-                          <a:latin typeface="Century Gothic" panose="020B0502020202020204" pitchFamily="34" charset="0"/>
+                          <a:latin typeface="Helvetica" panose="020B0604020202020204" pitchFamily="34" charset="0"/>
                           <a:ea typeface="+mn-ea"/>
-                          <a:cs typeface="+mn-cs"/>
+                          <a:cs typeface="Helvetica" panose="020B0604020202020204" pitchFamily="34" charset="0"/>
                         </a:rPr>
                         <a:t>2</a:t>
                       </a:r>
@@ -4697,13 +4808,13 @@
                         </a:lnSpc>
                       </a:pPr>
                       <a:r>
-                        <a:rPr lang="de-CH" sz="1400" kern="1200" dirty="0">
+                        <a:rPr lang="de-CH" sz="1200" kern="1200" spc="0" baseline="0" dirty="0">
                           <a:solidFill>
-                            <a:schemeClr val="tx1"/>
+                            <a:srgbClr val="666666"/>
                           </a:solidFill>
-                          <a:latin typeface="Century Gothic" panose="020B0502020202020204" pitchFamily="34" charset="0"/>
+                          <a:latin typeface="Helvetica" panose="020B0604020202020204" pitchFamily="34" charset="0"/>
                           <a:ea typeface="+mn-ea"/>
-                          <a:cs typeface="+mn-cs"/>
+                          <a:cs typeface="Helvetica" panose="020B0604020202020204" pitchFamily="34" charset="0"/>
                         </a:rPr>
                         <a:t>Hack</a:t>
                       </a:r>
@@ -4712,27 +4823,27 @@
                   <a:tcPr anchor="ctr">
                     <a:lnL w="12700" cap="flat" cmpd="sng" algn="ctr">
                       <a:solidFill>
-                        <a:schemeClr val="tx1"/>
-                      </a:solidFill>
-                      <a:prstDash val="sysDash"/>
+                        <a:srgbClr val="666666"/>
+                      </a:solidFill>
+                      <a:prstDash val="solid"/>
                       <a:round/>
                       <a:headEnd type="none" w="med" len="med"/>
                       <a:tailEnd type="none" w="med" len="med"/>
                     </a:lnL>
                     <a:lnR w="12700" cap="flat" cmpd="sng" algn="ctr">
                       <a:solidFill>
-                        <a:schemeClr val="tx1"/>
-                      </a:solidFill>
-                      <a:prstDash val="sysDash"/>
+                        <a:srgbClr val="666666"/>
+                      </a:solidFill>
+                      <a:prstDash val="solid"/>
                       <a:round/>
                       <a:headEnd type="none" w="med" len="med"/>
                       <a:tailEnd type="none" w="med" len="med"/>
                     </a:lnR>
                     <a:lnT w="12700" cap="flat" cmpd="sng" algn="ctr">
                       <a:solidFill>
-                        <a:schemeClr val="tx1"/>
-                      </a:solidFill>
-                      <a:prstDash val="sysDash"/>
+                        <a:srgbClr val="666666"/>
+                      </a:solidFill>
+                      <a:prstDash val="solid"/>
                       <a:round/>
                       <a:headEnd type="none" w="med" len="med"/>
                       <a:tailEnd type="none" w="med" len="med"/>
@@ -4750,8 +4861,12 @@
                         </a:lnSpc>
                       </a:pPr>
                       <a:r>
-                        <a:rPr lang="de-CH" sz="1400">
-                          <a:latin typeface="Century Gothic" panose="020B0502020202020204" pitchFamily="34" charset="0"/>
+                        <a:rPr lang="de-CH" sz="1200" spc="0" baseline="0">
+                          <a:solidFill>
+                            <a:srgbClr val="666666"/>
+                          </a:solidFill>
+                          <a:latin typeface="Helvetica" panose="020B0604020202020204" pitchFamily="34" charset="0"/>
+                          <a:cs typeface="Helvetica" panose="020B0604020202020204" pitchFamily="34" charset="0"/>
                         </a:rPr>
                         <a:t>3</a:t>
                       </a:r>
@@ -4763,40 +4878,48 @@
                         </a:lnSpc>
                       </a:pPr>
                       <a:r>
-                        <a:rPr lang="de-CH" sz="1400">
-                          <a:latin typeface="Century Gothic" panose="020B0502020202020204" pitchFamily="34" charset="0"/>
+                        <a:rPr lang="de-CH" sz="1200" spc="0" baseline="0">
+                          <a:solidFill>
+                            <a:srgbClr val="666666"/>
+                          </a:solidFill>
+                          <a:latin typeface="Helvetica" panose="020B0604020202020204" pitchFamily="34" charset="0"/>
+                          <a:cs typeface="Helvetica" panose="020B0604020202020204" pitchFamily="34" charset="0"/>
                         </a:rPr>
                         <a:t>Hack</a:t>
                       </a:r>
-                      <a:endParaRPr lang="de-CH" sz="1400" dirty="0">
-                        <a:latin typeface="Century Gothic" panose="020B0502020202020204" pitchFamily="34" charset="0"/>
+                      <a:endParaRPr lang="de-CH" sz="1200" spc="0" baseline="0" dirty="0">
+                        <a:solidFill>
+                          <a:srgbClr val="666666"/>
+                        </a:solidFill>
+                        <a:latin typeface="Helvetica" panose="020B0604020202020204" pitchFamily="34" charset="0"/>
+                        <a:cs typeface="Helvetica" panose="020B0604020202020204" pitchFamily="34" charset="0"/>
                       </a:endParaRPr>
                     </a:p>
                   </a:txBody>
                   <a:tcPr anchor="ctr">
                     <a:lnL w="12700" cap="flat" cmpd="sng" algn="ctr">
                       <a:solidFill>
-                        <a:schemeClr val="tx1"/>
-                      </a:solidFill>
-                      <a:prstDash val="sysDash"/>
+                        <a:srgbClr val="666666"/>
+                      </a:solidFill>
+                      <a:prstDash val="solid"/>
                       <a:round/>
                       <a:headEnd type="none" w="med" len="med"/>
                       <a:tailEnd type="none" w="med" len="med"/>
                     </a:lnL>
                     <a:lnR w="12700" cap="flat" cmpd="sng" algn="ctr">
                       <a:solidFill>
-                        <a:schemeClr val="tx1"/>
-                      </a:solidFill>
-                      <a:prstDash val="sysDash"/>
+                        <a:srgbClr val="666666"/>
+                      </a:solidFill>
+                      <a:prstDash val="solid"/>
                       <a:round/>
                       <a:headEnd type="none" w="med" len="med"/>
                       <a:tailEnd type="none" w="med" len="med"/>
                     </a:lnR>
                     <a:lnT w="12700" cap="flat" cmpd="sng" algn="ctr">
                       <a:solidFill>
-                        <a:schemeClr val="tx1"/>
-                      </a:solidFill>
-                      <a:prstDash val="sysDash"/>
+                        <a:srgbClr val="666666"/>
+                      </a:solidFill>
+                      <a:prstDash val="solid"/>
                       <a:round/>
                       <a:headEnd type="none" w="med" len="med"/>
                       <a:tailEnd type="none" w="med" len="med"/>
@@ -4814,8 +4937,12 @@
                         </a:lnSpc>
                       </a:pPr>
                       <a:r>
-                        <a:rPr lang="de-CH" sz="1400" dirty="0">
-                          <a:latin typeface="Century Gothic" panose="020B0502020202020204" pitchFamily="34" charset="0"/>
+                        <a:rPr lang="de-CH" sz="1200" spc="0" baseline="0" dirty="0">
+                          <a:solidFill>
+                            <a:srgbClr val="666666"/>
+                          </a:solidFill>
+                          <a:latin typeface="Helvetica" panose="020B0604020202020204" pitchFamily="34" charset="0"/>
+                          <a:cs typeface="Helvetica" panose="020B0604020202020204" pitchFamily="34" charset="0"/>
                         </a:rPr>
                         <a:t>4</a:t>
                       </a:r>
@@ -4827,8 +4954,12 @@
                         </a:lnSpc>
                       </a:pPr>
                       <a:r>
-                        <a:rPr lang="de-CH" sz="1400" dirty="0">
-                          <a:latin typeface="Century Gothic" panose="020B0502020202020204" pitchFamily="34" charset="0"/>
+                        <a:rPr lang="de-CH" sz="1200" spc="0" baseline="0" dirty="0">
+                          <a:solidFill>
+                            <a:srgbClr val="666666"/>
+                          </a:solidFill>
+                          <a:latin typeface="Helvetica" panose="020B0604020202020204" pitchFamily="34" charset="0"/>
+                          <a:cs typeface="Helvetica" panose="020B0604020202020204" pitchFamily="34" charset="0"/>
                         </a:rPr>
                         <a:t>Hack</a:t>
                       </a:r>
@@ -4837,27 +4968,27 @@
                   <a:tcPr anchor="ctr">
                     <a:lnL w="12700" cap="flat" cmpd="sng" algn="ctr">
                       <a:solidFill>
-                        <a:schemeClr val="tx1"/>
-                      </a:solidFill>
-                      <a:prstDash val="sysDash"/>
+                        <a:srgbClr val="666666"/>
+                      </a:solidFill>
+                      <a:prstDash val="solid"/>
                       <a:round/>
                       <a:headEnd type="none" w="med" len="med"/>
                       <a:tailEnd type="none" w="med" len="med"/>
                     </a:lnL>
                     <a:lnR w="12700" cap="flat" cmpd="sng" algn="ctr">
                       <a:solidFill>
-                        <a:schemeClr val="tx1"/>
-                      </a:solidFill>
-                      <a:prstDash val="sysDash"/>
+                        <a:srgbClr val="666666"/>
+                      </a:solidFill>
+                      <a:prstDash val="solid"/>
                       <a:round/>
                       <a:headEnd type="none" w="med" len="med"/>
                       <a:tailEnd type="none" w="med" len="med"/>
                     </a:lnR>
                     <a:lnT w="12700" cap="flat" cmpd="sng" algn="ctr">
                       <a:solidFill>
-                        <a:schemeClr val="tx1"/>
-                      </a:solidFill>
-                      <a:prstDash val="sysDash"/>
+                        <a:srgbClr val="666666"/>
+                      </a:solidFill>
+                      <a:prstDash val="solid"/>
                       <a:round/>
                       <a:headEnd type="none" w="med" len="med"/>
                       <a:tailEnd type="none" w="med" len="med"/>
@@ -4874,35 +5005,39 @@
                           <a:spcPct val="200000"/>
                         </a:lnSpc>
                       </a:pPr>
-                      <a:endParaRPr lang="de-CH" sz="1400" dirty="0">
-                        <a:latin typeface="Century Gothic" panose="020B0502020202020204" pitchFamily="34" charset="0"/>
+                      <a:endParaRPr lang="de-CH" sz="1200" spc="0" baseline="0" dirty="0">
+                        <a:solidFill>
+                          <a:srgbClr val="666666"/>
+                        </a:solidFill>
+                        <a:latin typeface="Helvetica" panose="020B0604020202020204" pitchFamily="34" charset="0"/>
+                        <a:cs typeface="Helvetica" panose="020B0604020202020204" pitchFamily="34" charset="0"/>
                       </a:endParaRPr>
                     </a:p>
                   </a:txBody>
                   <a:tcPr anchor="ctr">
                     <a:lnL w="12700" cap="flat" cmpd="sng" algn="ctr">
                       <a:solidFill>
-                        <a:schemeClr val="tx1"/>
-                      </a:solidFill>
-                      <a:prstDash val="sysDash"/>
+                        <a:srgbClr val="666666"/>
+                      </a:solidFill>
+                      <a:prstDash val="solid"/>
                       <a:round/>
                       <a:headEnd type="none" w="med" len="med"/>
                       <a:tailEnd type="none" w="med" len="med"/>
                     </a:lnL>
                     <a:lnR w="12700" cap="flat" cmpd="sng" algn="ctr">
                       <a:solidFill>
-                        <a:schemeClr val="tx1"/>
-                      </a:solidFill>
-                      <a:prstDash val="sysDash"/>
+                        <a:srgbClr val="666666"/>
+                      </a:solidFill>
+                      <a:prstDash val="solid"/>
                       <a:round/>
                       <a:headEnd type="none" w="med" len="med"/>
                       <a:tailEnd type="none" w="med" len="med"/>
                     </a:lnR>
                     <a:lnT w="12700" cap="flat" cmpd="sng" algn="ctr">
                       <a:solidFill>
-                        <a:schemeClr val="tx1"/>
-                      </a:solidFill>
-                      <a:prstDash val="sysDash"/>
+                        <a:srgbClr val="666666"/>
+                      </a:solidFill>
+                      <a:prstDash val="solid"/>
                       <a:round/>
                       <a:headEnd type="none" w="med" len="med"/>
                       <a:tailEnd type="none" w="med" len="med"/>
@@ -4919,35 +5054,39 @@
                           <a:spcPct val="200000"/>
                         </a:lnSpc>
                       </a:pPr>
-                      <a:endParaRPr lang="de-CH" sz="1400" dirty="0">
-                        <a:latin typeface="Century Gothic" panose="020B0502020202020204" pitchFamily="34" charset="0"/>
+                      <a:endParaRPr lang="de-CH" sz="1200" spc="0" baseline="0" dirty="0">
+                        <a:solidFill>
+                          <a:srgbClr val="666666"/>
+                        </a:solidFill>
+                        <a:latin typeface="Helvetica" panose="020B0604020202020204" pitchFamily="34" charset="0"/>
+                        <a:cs typeface="Helvetica" panose="020B0604020202020204" pitchFamily="34" charset="0"/>
                       </a:endParaRPr>
                     </a:p>
                   </a:txBody>
                   <a:tcPr anchor="ctr">
                     <a:lnL w="12700" cap="flat" cmpd="sng" algn="ctr">
                       <a:solidFill>
-                        <a:schemeClr val="tx1"/>
-                      </a:solidFill>
-                      <a:prstDash val="sysDash"/>
+                        <a:srgbClr val="666666"/>
+                      </a:solidFill>
+                      <a:prstDash val="solid"/>
                       <a:round/>
                       <a:headEnd type="none" w="med" len="med"/>
                       <a:tailEnd type="none" w="med" len="med"/>
                     </a:lnL>
                     <a:lnR w="12700" cap="flat" cmpd="sng" algn="ctr">
                       <a:solidFill>
-                        <a:schemeClr val="tx1"/>
-                      </a:solidFill>
-                      <a:prstDash val="sysDash"/>
+                        <a:srgbClr val="666666"/>
+                      </a:solidFill>
+                      <a:prstDash val="solid"/>
                       <a:round/>
                       <a:headEnd type="none" w="med" len="med"/>
                       <a:tailEnd type="none" w="med" len="med"/>
                     </a:lnR>
                     <a:lnT w="12700" cap="flat" cmpd="sng" algn="ctr">
                       <a:solidFill>
-                        <a:schemeClr val="tx1"/>
-                      </a:solidFill>
-                      <a:prstDash val="sysDash"/>
+                        <a:srgbClr val="666666"/>
+                      </a:solidFill>
+                      <a:prstDash val="solid"/>
                       <a:round/>
                       <a:headEnd type="none" w="med" len="med"/>
                       <a:tailEnd type="none" w="med" len="med"/>
@@ -4964,26 +5103,30 @@
                           <a:spcPct val="200000"/>
                         </a:lnSpc>
                       </a:pPr>
-                      <a:endParaRPr lang="de-CH" sz="1400" dirty="0">
-                        <a:latin typeface="Century Gothic" panose="020B0502020202020204" pitchFamily="34" charset="0"/>
+                      <a:endParaRPr lang="de-CH" sz="1200" spc="0" baseline="0" dirty="0">
+                        <a:solidFill>
+                          <a:srgbClr val="666666"/>
+                        </a:solidFill>
+                        <a:latin typeface="Helvetica" panose="020B0604020202020204" pitchFamily="34" charset="0"/>
+                        <a:cs typeface="Helvetica" panose="020B0604020202020204" pitchFamily="34" charset="0"/>
                       </a:endParaRPr>
                     </a:p>
                   </a:txBody>
                   <a:tcPr anchor="ctr">
                     <a:lnL w="12700" cap="flat" cmpd="sng" algn="ctr">
                       <a:solidFill>
-                        <a:schemeClr val="tx1"/>
-                      </a:solidFill>
-                      <a:prstDash val="sysDash"/>
+                        <a:srgbClr val="666666"/>
+                      </a:solidFill>
+                      <a:prstDash val="solid"/>
                       <a:round/>
                       <a:headEnd type="none" w="med" len="med"/>
                       <a:tailEnd type="none" w="med" len="med"/>
                     </a:lnL>
                     <a:lnT w="12700" cap="flat" cmpd="sng" algn="ctr">
                       <a:solidFill>
-                        <a:schemeClr val="tx1"/>
-                      </a:solidFill>
-                      <a:prstDash val="sysDash"/>
+                        <a:srgbClr val="666666"/>
+                      </a:solidFill>
+                      <a:prstDash val="solid"/>
                       <a:round/>
                       <a:headEnd type="none" w="med" len="med"/>
                       <a:tailEnd type="none" w="med" len="med"/>

--- a/WebseiteSS2019/images/Schedule.pptx
+++ b/WebseiteSS2019/images/Schedule.pptx
@@ -3362,7 +3362,7 @@
           <p:nvPr>
             <p:extLst>
               <p:ext uri="{D42A27DB-BD31-4B8C-83A1-F6EECF244321}">
-                <p14:modId xmlns:p14="http://schemas.microsoft.com/office/powerpoint/2010/main" val="3132675023"/>
+                <p14:modId xmlns:p14="http://schemas.microsoft.com/office/powerpoint/2010/main" val="4228353073"/>
               </p:ext>
             </p:extLst>
           </p:nvPr>
@@ -3807,7 +3807,7 @@
                           <a:spcPct val="200000"/>
                         </a:lnSpc>
                       </a:pPr>
-                      <a:endParaRPr lang="de-CH" sz="1200" kern="1200" spc="0" baseline="0" dirty="0">
+                      <a:endParaRPr lang="de-CH" sz="1200" kern="1200" spc="150" baseline="0" dirty="0">
                         <a:solidFill>
                           <a:srgbClr val="666666"/>
                         </a:solidFill>
@@ -3867,7 +3867,7 @@
                         </a:lnSpc>
                       </a:pPr>
                       <a:r>
-                        <a:rPr lang="de-CH" sz="1200" spc="0" baseline="0" dirty="0">
+                        <a:rPr lang="de-CH" sz="1200" spc="150" baseline="0" dirty="0">
                           <a:solidFill>
                             <a:srgbClr val="666666"/>
                           </a:solidFill>
@@ -3884,7 +3884,7 @@
                         </a:lnSpc>
                       </a:pPr>
                       <a:r>
-                        <a:rPr lang="de-CH" sz="1200" spc="0" baseline="0" dirty="0">
+                        <a:rPr lang="de-CH" sz="1200" spc="150" baseline="0" dirty="0">
                           <a:solidFill>
                             <a:srgbClr val="666666"/>
                           </a:solidFill>
@@ -3945,7 +3945,7 @@
                         </a:lnSpc>
                       </a:pPr>
                       <a:r>
-                        <a:rPr lang="de-CH" sz="1200" spc="0" baseline="0" dirty="0">
+                        <a:rPr lang="de-CH" sz="1200" spc="150" baseline="0" dirty="0">
                           <a:solidFill>
                             <a:srgbClr val="666666"/>
                           </a:solidFill>
@@ -3962,7 +3962,7 @@
                         </a:lnSpc>
                       </a:pPr>
                       <a:r>
-                        <a:rPr lang="de-CH" sz="1200" spc="0" baseline="0" dirty="0">
+                        <a:rPr lang="de-CH" sz="1200" spc="150" baseline="0" dirty="0">
                           <a:solidFill>
                             <a:srgbClr val="666666"/>
                           </a:solidFill>
@@ -4023,7 +4023,7 @@
                         </a:lnSpc>
                       </a:pPr>
                       <a:r>
-                        <a:rPr lang="de-CH" sz="1200" spc="0" baseline="0" dirty="0">
+                        <a:rPr lang="de-CH" sz="1200" spc="150" baseline="0" dirty="0">
                           <a:solidFill>
                             <a:srgbClr val="666666"/>
                           </a:solidFill>
@@ -4040,7 +4040,7 @@
                         </a:lnSpc>
                       </a:pPr>
                       <a:r>
-                        <a:rPr lang="de-CH" sz="1200" spc="0" baseline="0" dirty="0">
+                        <a:rPr lang="de-CH" sz="1200" spc="150" baseline="0" dirty="0">
                           <a:solidFill>
                             <a:srgbClr val="666666"/>
                           </a:solidFill>
@@ -4101,7 +4101,7 @@
                         </a:lnSpc>
                       </a:pPr>
                       <a:r>
-                        <a:rPr lang="de-CH" sz="1200" spc="0" baseline="0" dirty="0">
+                        <a:rPr lang="de-CH" sz="1200" spc="150" baseline="0" dirty="0">
                           <a:solidFill>
                             <a:srgbClr val="666666"/>
                           </a:solidFill>
@@ -4118,7 +4118,7 @@
                         </a:lnSpc>
                       </a:pPr>
                       <a:r>
-                        <a:rPr lang="de-CH" sz="1200" spc="0" baseline="0" dirty="0">
+                        <a:rPr lang="de-CH" sz="1200" spc="150" baseline="0" dirty="0">
                           <a:solidFill>
                             <a:srgbClr val="666666"/>
                           </a:solidFill>
@@ -4178,7 +4178,7 @@
                           <a:spcPct val="200000"/>
                         </a:lnSpc>
                       </a:pPr>
-                      <a:endParaRPr lang="de-CH" sz="1200" spc="0" baseline="0" dirty="0">
+                      <a:endParaRPr lang="de-CH" sz="1200" spc="150" baseline="0" dirty="0">
                         <a:solidFill>
                           <a:srgbClr val="666666"/>
                         </a:solidFill>
@@ -4283,7 +4283,7 @@
                         </a:lnSpc>
                       </a:pPr>
                       <a:r>
-                        <a:rPr lang="de-CH" sz="1200" kern="1200" spc="0" baseline="0" dirty="0">
+                        <a:rPr lang="de-CH" sz="1200" kern="1200" spc="150" baseline="0" dirty="0">
                           <a:solidFill>
                             <a:srgbClr val="666666"/>
                           </a:solidFill>
@@ -4301,7 +4301,7 @@
                         </a:lnSpc>
                       </a:pPr>
                       <a:r>
-                        <a:rPr lang="de-CH" sz="1200" kern="1200" spc="0" baseline="0" dirty="0">
+                        <a:rPr lang="de-CH" sz="1200" kern="1200" spc="150" baseline="0" dirty="0">
                           <a:solidFill>
                             <a:srgbClr val="666666"/>
                           </a:solidFill>
@@ -4363,7 +4363,7 @@
                         </a:lnSpc>
                       </a:pPr>
                       <a:r>
-                        <a:rPr lang="de-CH" sz="1200" spc="0" baseline="0" dirty="0">
+                        <a:rPr lang="de-CH" sz="1200" spc="150" baseline="0" dirty="0">
                           <a:solidFill>
                             <a:srgbClr val="666666"/>
                           </a:solidFill>
@@ -4380,7 +4380,7 @@
                         </a:lnSpc>
                       </a:pPr>
                       <a:r>
-                        <a:rPr lang="de-CH" sz="1200" spc="0" baseline="0" dirty="0">
+                        <a:rPr lang="de-CH" sz="1200" spc="150" baseline="0" dirty="0">
                           <a:solidFill>
                             <a:srgbClr val="666666"/>
                           </a:solidFill>
@@ -4441,7 +4441,7 @@
                         </a:lnSpc>
                       </a:pPr>
                       <a:r>
-                        <a:rPr lang="de-CH" sz="1200" spc="0" baseline="0" dirty="0">
+                        <a:rPr lang="de-CH" sz="1200" spc="150" baseline="0" dirty="0">
                           <a:solidFill>
                             <a:srgbClr val="666666"/>
                           </a:solidFill>
@@ -4458,7 +4458,7 @@
                         </a:lnSpc>
                       </a:pPr>
                       <a:r>
-                        <a:rPr lang="de-CH" sz="1200" spc="0" baseline="0" dirty="0">
+                        <a:rPr lang="de-CH" sz="1200" spc="150" baseline="0" dirty="0">
                           <a:solidFill>
                             <a:srgbClr val="666666"/>
                           </a:solidFill>
@@ -4519,7 +4519,7 @@
                         </a:lnSpc>
                       </a:pPr>
                       <a:r>
-                        <a:rPr lang="de-CH" sz="1200" spc="0" baseline="0" dirty="0">
+                        <a:rPr lang="de-CH" sz="1200" spc="150" baseline="0" dirty="0">
                           <a:solidFill>
                             <a:srgbClr val="666666"/>
                           </a:solidFill>
@@ -4536,7 +4536,7 @@
                         </a:lnSpc>
                       </a:pPr>
                       <a:r>
-                        <a:rPr lang="de-CH" sz="1200" spc="0" baseline="0" dirty="0">
+                        <a:rPr lang="de-CH" sz="1200" spc="150" baseline="0" dirty="0">
                           <a:solidFill>
                             <a:srgbClr val="666666"/>
                           </a:solidFill>
@@ -4597,7 +4597,7 @@
                         </a:lnSpc>
                       </a:pPr>
                       <a:r>
-                        <a:rPr lang="de-CH" sz="1200" spc="0" baseline="0" dirty="0">
+                        <a:rPr lang="de-CH" sz="1200" spc="150" baseline="0" dirty="0">
                           <a:solidFill>
                             <a:srgbClr val="666666"/>
                           </a:solidFill>
@@ -4614,7 +4614,7 @@
                         </a:lnSpc>
                       </a:pPr>
                       <a:r>
-                        <a:rPr lang="de-CH" sz="1200" spc="0" baseline="0" dirty="0">
+                        <a:rPr lang="de-CH" sz="1200" spc="150" baseline="0" dirty="0">
                           <a:solidFill>
                             <a:srgbClr val="666666"/>
                           </a:solidFill>
@@ -4675,7 +4675,7 @@
                         </a:lnSpc>
                       </a:pPr>
                       <a:r>
-                        <a:rPr lang="de-CH" sz="1200" spc="0" baseline="0" dirty="0">
+                        <a:rPr lang="de-CH" sz="1200" spc="150" baseline="0" dirty="0">
                           <a:solidFill>
                             <a:srgbClr val="666666"/>
                           </a:solidFill>
@@ -4692,7 +4692,7 @@
                         </a:lnSpc>
                       </a:pPr>
                       <a:r>
-                        <a:rPr lang="de-CH" sz="1200" spc="0" baseline="0" dirty="0">
+                        <a:rPr lang="de-CH" sz="1200" spc="150" baseline="0" dirty="0">
                           <a:solidFill>
                             <a:srgbClr val="666666"/>
                           </a:solidFill>
@@ -4790,7 +4790,7 @@
                         </a:lnSpc>
                       </a:pPr>
                       <a:r>
-                        <a:rPr lang="de-CH" sz="1200" kern="1200" spc="0" baseline="0" dirty="0">
+                        <a:rPr lang="de-CH" sz="1200" kern="1200" spc="150" baseline="0" dirty="0">
                           <a:solidFill>
                             <a:srgbClr val="666666"/>
                           </a:solidFill>
@@ -4808,7 +4808,7 @@
                         </a:lnSpc>
                       </a:pPr>
                       <a:r>
-                        <a:rPr lang="de-CH" sz="1200" kern="1200" spc="0" baseline="0" dirty="0">
+                        <a:rPr lang="de-CH" sz="1200" kern="1200" spc="150" baseline="0" dirty="0">
                           <a:solidFill>
                             <a:srgbClr val="666666"/>
                           </a:solidFill>
@@ -4861,7 +4861,7 @@
                         </a:lnSpc>
                       </a:pPr>
                       <a:r>
-                        <a:rPr lang="de-CH" sz="1200" spc="0" baseline="0">
+                        <a:rPr lang="de-CH" sz="1200" spc="150" baseline="0">
                           <a:solidFill>
                             <a:srgbClr val="666666"/>
                           </a:solidFill>
@@ -4878,7 +4878,7 @@
                         </a:lnSpc>
                       </a:pPr>
                       <a:r>
-                        <a:rPr lang="de-CH" sz="1200" spc="0" baseline="0">
+                        <a:rPr lang="de-CH" sz="1200" spc="150" baseline="0">
                           <a:solidFill>
                             <a:srgbClr val="666666"/>
                           </a:solidFill>
@@ -4887,7 +4887,7 @@
                         </a:rPr>
                         <a:t>Hack</a:t>
                       </a:r>
-                      <a:endParaRPr lang="de-CH" sz="1200" spc="0" baseline="0" dirty="0">
+                      <a:endParaRPr lang="de-CH" sz="1200" spc="150" baseline="0" dirty="0">
                         <a:solidFill>
                           <a:srgbClr val="666666"/>
                         </a:solidFill>
@@ -4937,7 +4937,7 @@
                         </a:lnSpc>
                       </a:pPr>
                       <a:r>
-                        <a:rPr lang="de-CH" sz="1200" spc="0" baseline="0" dirty="0">
+                        <a:rPr lang="de-CH" sz="1200" spc="150" baseline="0" dirty="0">
                           <a:solidFill>
                             <a:srgbClr val="666666"/>
                           </a:solidFill>
@@ -4954,7 +4954,7 @@
                         </a:lnSpc>
                       </a:pPr>
                       <a:r>
-                        <a:rPr lang="de-CH" sz="1200" spc="0" baseline="0" dirty="0">
+                        <a:rPr lang="de-CH" sz="1200" spc="150" baseline="0" dirty="0">
                           <a:solidFill>
                             <a:srgbClr val="666666"/>
                           </a:solidFill>
@@ -5005,7 +5005,7 @@
                           <a:spcPct val="200000"/>
                         </a:lnSpc>
                       </a:pPr>
-                      <a:endParaRPr lang="de-CH" sz="1200" spc="0" baseline="0" dirty="0">
+                      <a:endParaRPr lang="de-CH" sz="1200" spc="150" baseline="0" dirty="0">
                         <a:solidFill>
                           <a:srgbClr val="666666"/>
                         </a:solidFill>
@@ -5054,7 +5054,7 @@
                           <a:spcPct val="200000"/>
                         </a:lnSpc>
                       </a:pPr>
-                      <a:endParaRPr lang="de-CH" sz="1200" spc="0" baseline="0" dirty="0">
+                      <a:endParaRPr lang="de-CH" sz="1200" spc="150" baseline="0" dirty="0">
                         <a:solidFill>
                           <a:srgbClr val="666666"/>
                         </a:solidFill>
@@ -5103,7 +5103,7 @@
                           <a:spcPct val="200000"/>
                         </a:lnSpc>
                       </a:pPr>
-                      <a:endParaRPr lang="de-CH" sz="1200" spc="0" baseline="0" dirty="0">
+                      <a:endParaRPr lang="de-CH" sz="1200" spc="150" baseline="0" dirty="0">
                         <a:solidFill>
                           <a:srgbClr val="666666"/>
                         </a:solidFill>
